--- a/信用卡消費樣態.pptx
+++ b/信用卡消費樣態.pptx
@@ -4,6 +4,9 @@
   <p:sldMasterIdLst>
     <p:sldMasterId id="2147483790" r:id="rId1"/>
   </p:sldMasterIdLst>
+  <p:notesMasterIdLst>
+    <p:notesMasterId r:id="rId23"/>
+  </p:notesMasterIdLst>
   <p:sldIdLst>
     <p:sldId id="256" r:id="rId2"/>
     <p:sldId id="257" r:id="rId3"/>
@@ -15,16 +18,17 @@
     <p:sldId id="267" r:id="rId9"/>
     <p:sldId id="264" r:id="rId10"/>
     <p:sldId id="268" r:id="rId11"/>
-    <p:sldId id="273" r:id="rId12"/>
-    <p:sldId id="266" r:id="rId13"/>
+    <p:sldId id="266" r:id="rId12"/>
+    <p:sldId id="273" r:id="rId13"/>
     <p:sldId id="269" r:id="rId14"/>
-    <p:sldId id="275" r:id="rId15"/>
-    <p:sldId id="277" r:id="rId16"/>
-    <p:sldId id="278" r:id="rId17"/>
-    <p:sldId id="276" r:id="rId18"/>
-    <p:sldId id="279" r:id="rId19"/>
-    <p:sldId id="262" r:id="rId20"/>
-    <p:sldId id="265" r:id="rId21"/>
+    <p:sldId id="280" r:id="rId15"/>
+    <p:sldId id="275" r:id="rId16"/>
+    <p:sldId id="277" r:id="rId17"/>
+    <p:sldId id="262" r:id="rId18"/>
+    <p:sldId id="265" r:id="rId19"/>
+    <p:sldId id="281" r:id="rId20"/>
+    <p:sldId id="276" r:id="rId21"/>
+    <p:sldId id="279" r:id="rId22"/>
   </p:sldIdLst>
   <p:sldSz cx="12192000" cy="6858000"/>
   <p:notesSz cx="6858000" cy="9144000"/>
@@ -138,16 +142,17 @@
             <p14:sldId id="267"/>
             <p14:sldId id="264"/>
             <p14:sldId id="268"/>
+            <p14:sldId id="266"/>
             <p14:sldId id="273"/>
-            <p14:sldId id="266"/>
             <p14:sldId id="269"/>
+            <p14:sldId id="280"/>
             <p14:sldId id="275"/>
             <p14:sldId id="277"/>
-            <p14:sldId id="278"/>
+            <p14:sldId id="262"/>
+            <p14:sldId id="265"/>
+            <p14:sldId id="281"/>
             <p14:sldId id="276"/>
             <p14:sldId id="279"/>
-            <p14:sldId id="262"/>
-            <p14:sldId id="265"/>
           </p14:sldIdLst>
         </p14:section>
       </p14:sectionLst>
@@ -3249,6 +3254,355 @@
 </dgm:styleDef>
 </file>
 
+<file path=ppt/notesMasters/notesMaster1.xml><?xml version="1.0" encoding="utf-8"?>
+<p:notesMaster xmlns:a="http://schemas.openxmlformats.org/drawingml/2006/main" xmlns:r="http://schemas.openxmlformats.org/officeDocument/2006/relationships" xmlns:p="http://schemas.openxmlformats.org/presentationml/2006/main">
+  <p:cSld>
+    <p:bg>
+      <p:bgRef idx="1001">
+        <a:schemeClr val="bg1"/>
+      </p:bgRef>
+    </p:bg>
+    <p:spTree>
+      <p:nvGrpSpPr>
+        <p:cNvPr id="1" name=""/>
+        <p:cNvGrpSpPr/>
+        <p:nvPr/>
+      </p:nvGrpSpPr>
+      <p:grpSpPr>
+        <a:xfrm>
+          <a:off x="0" y="0"/>
+          <a:ext cx="0" cy="0"/>
+          <a:chOff x="0" y="0"/>
+          <a:chExt cx="0" cy="0"/>
+        </a:xfrm>
+      </p:grpSpPr>
+      <p:sp>
+        <p:nvSpPr>
+          <p:cNvPr id="2" name="頁首版面配置區 1"/>
+          <p:cNvSpPr>
+            <a:spLocks noGrp="1"/>
+          </p:cNvSpPr>
+          <p:nvPr>
+            <p:ph type="hdr" sz="quarter"/>
+          </p:nvPr>
+        </p:nvSpPr>
+        <p:spPr>
+          <a:xfrm>
+            <a:off x="0" y="0"/>
+            <a:ext cx="2971800" cy="458788"/>
+          </a:xfrm>
+          <a:prstGeom prst="rect">
+            <a:avLst/>
+          </a:prstGeom>
+        </p:spPr>
+        <p:txBody>
+          <a:bodyPr vert="horz" lIns="91440" tIns="45720" rIns="91440" bIns="45720" rtlCol="0"/>
+          <a:lstStyle>
+            <a:lvl1pPr algn="l">
+              <a:defRPr sz="1200"/>
+            </a:lvl1pPr>
+          </a:lstStyle>
+          <a:p>
+            <a:endParaRPr lang="zh-TW" altLang="en-US"/>
+          </a:p>
+        </p:txBody>
+      </p:sp>
+      <p:sp>
+        <p:nvSpPr>
+          <p:cNvPr id="3" name="日期版面配置區 2"/>
+          <p:cNvSpPr>
+            <a:spLocks noGrp="1"/>
+          </p:cNvSpPr>
+          <p:nvPr>
+            <p:ph type="dt" idx="1"/>
+          </p:nvPr>
+        </p:nvSpPr>
+        <p:spPr>
+          <a:xfrm>
+            <a:off x="3884613" y="0"/>
+            <a:ext cx="2971800" cy="458788"/>
+          </a:xfrm>
+          <a:prstGeom prst="rect">
+            <a:avLst/>
+          </a:prstGeom>
+        </p:spPr>
+        <p:txBody>
+          <a:bodyPr vert="horz" lIns="91440" tIns="45720" rIns="91440" bIns="45720" rtlCol="0"/>
+          <a:lstStyle>
+            <a:lvl1pPr algn="r">
+              <a:defRPr sz="1200"/>
+            </a:lvl1pPr>
+          </a:lstStyle>
+          <a:p>
+            <a:fld id="{2B0CC4AD-3D48-4DFD-9963-0423DFC47EFB}" type="datetimeFigureOut">
+              <a:rPr lang="zh-TW" altLang="en-US" smtClean="0"/>
+              <a:t>2023/12/21</a:t>
+            </a:fld>
+            <a:endParaRPr lang="zh-TW" altLang="en-US"/>
+          </a:p>
+        </p:txBody>
+      </p:sp>
+      <p:sp>
+        <p:nvSpPr>
+          <p:cNvPr id="4" name="投影片影像版面配置區 3"/>
+          <p:cNvSpPr>
+            <a:spLocks noGrp="1" noRot="1" noChangeAspect="1"/>
+          </p:cNvSpPr>
+          <p:nvPr>
+            <p:ph type="sldImg" idx="2"/>
+          </p:nvPr>
+        </p:nvSpPr>
+        <p:spPr>
+          <a:xfrm>
+            <a:off x="685800" y="1143000"/>
+            <a:ext cx="5486400" cy="3086100"/>
+          </a:xfrm>
+          <a:prstGeom prst="rect">
+            <a:avLst/>
+          </a:prstGeom>
+          <a:noFill/>
+          <a:ln w="12700">
+            <a:solidFill>
+              <a:prstClr val="black"/>
+            </a:solidFill>
+          </a:ln>
+        </p:spPr>
+        <p:txBody>
+          <a:bodyPr vert="horz" lIns="91440" tIns="45720" rIns="91440" bIns="45720" rtlCol="0" anchor="ctr"/>
+          <a:lstStyle/>
+          <a:p>
+            <a:endParaRPr lang="zh-TW" altLang="en-US"/>
+          </a:p>
+        </p:txBody>
+      </p:sp>
+      <p:sp>
+        <p:nvSpPr>
+          <p:cNvPr id="5" name="備忘稿版面配置區 4"/>
+          <p:cNvSpPr>
+            <a:spLocks noGrp="1"/>
+          </p:cNvSpPr>
+          <p:nvPr>
+            <p:ph type="body" sz="quarter" idx="3"/>
+          </p:nvPr>
+        </p:nvSpPr>
+        <p:spPr>
+          <a:xfrm>
+            <a:off x="685800" y="4400550"/>
+            <a:ext cx="5486400" cy="3600450"/>
+          </a:xfrm>
+          <a:prstGeom prst="rect">
+            <a:avLst/>
+          </a:prstGeom>
+        </p:spPr>
+        <p:txBody>
+          <a:bodyPr vert="horz" lIns="91440" tIns="45720" rIns="91440" bIns="45720" rtlCol="0"/>
+          <a:lstStyle/>
+          <a:p>
+            <a:pPr lvl="0"/>
+            <a:r>
+              <a:rPr lang="zh-TW" altLang="en-US"/>
+              <a:t>編輯母片文字樣式</a:t>
+            </a:r>
+          </a:p>
+          <a:p>
+            <a:pPr lvl="1"/>
+            <a:r>
+              <a:rPr lang="zh-TW" altLang="en-US"/>
+              <a:t>第二層</a:t>
+            </a:r>
+          </a:p>
+          <a:p>
+            <a:pPr lvl="2"/>
+            <a:r>
+              <a:rPr lang="zh-TW" altLang="en-US"/>
+              <a:t>第三層</a:t>
+            </a:r>
+          </a:p>
+          <a:p>
+            <a:pPr lvl="3"/>
+            <a:r>
+              <a:rPr lang="zh-TW" altLang="en-US"/>
+              <a:t>第四層</a:t>
+            </a:r>
+          </a:p>
+          <a:p>
+            <a:pPr lvl="4"/>
+            <a:r>
+              <a:rPr lang="zh-TW" altLang="en-US"/>
+              <a:t>第五層</a:t>
+            </a:r>
+          </a:p>
+        </p:txBody>
+      </p:sp>
+      <p:sp>
+        <p:nvSpPr>
+          <p:cNvPr id="6" name="頁尾版面配置區 5"/>
+          <p:cNvSpPr>
+            <a:spLocks noGrp="1"/>
+          </p:cNvSpPr>
+          <p:nvPr>
+            <p:ph type="ftr" sz="quarter" idx="4"/>
+          </p:nvPr>
+        </p:nvSpPr>
+        <p:spPr>
+          <a:xfrm>
+            <a:off x="0" y="8685213"/>
+            <a:ext cx="2971800" cy="458787"/>
+          </a:xfrm>
+          <a:prstGeom prst="rect">
+            <a:avLst/>
+          </a:prstGeom>
+        </p:spPr>
+        <p:txBody>
+          <a:bodyPr vert="horz" lIns="91440" tIns="45720" rIns="91440" bIns="45720" rtlCol="0" anchor="b"/>
+          <a:lstStyle>
+            <a:lvl1pPr algn="l">
+              <a:defRPr sz="1200"/>
+            </a:lvl1pPr>
+          </a:lstStyle>
+          <a:p>
+            <a:endParaRPr lang="zh-TW" altLang="en-US"/>
+          </a:p>
+        </p:txBody>
+      </p:sp>
+      <p:sp>
+        <p:nvSpPr>
+          <p:cNvPr id="7" name="投影片編號版面配置區 6"/>
+          <p:cNvSpPr>
+            <a:spLocks noGrp="1"/>
+          </p:cNvSpPr>
+          <p:nvPr>
+            <p:ph type="sldNum" sz="quarter" idx="5"/>
+          </p:nvPr>
+        </p:nvSpPr>
+        <p:spPr>
+          <a:xfrm>
+            <a:off x="3884613" y="8685213"/>
+            <a:ext cx="2971800" cy="458787"/>
+          </a:xfrm>
+          <a:prstGeom prst="rect">
+            <a:avLst/>
+          </a:prstGeom>
+        </p:spPr>
+        <p:txBody>
+          <a:bodyPr vert="horz" lIns="91440" tIns="45720" rIns="91440" bIns="45720" rtlCol="0" anchor="b"/>
+          <a:lstStyle>
+            <a:lvl1pPr algn="r">
+              <a:defRPr sz="1200"/>
+            </a:lvl1pPr>
+          </a:lstStyle>
+          <a:p>
+            <a:fld id="{768D2D76-5A5F-4FFF-A70E-0F643A104CBA}" type="slidenum">
+              <a:rPr lang="zh-TW" altLang="en-US" smtClean="0"/>
+              <a:t>‹#›</a:t>
+            </a:fld>
+            <a:endParaRPr lang="zh-TW" altLang="en-US"/>
+          </a:p>
+        </p:txBody>
+      </p:sp>
+    </p:spTree>
+    <p:extLst>
+      <p:ext uri="{BB962C8B-B14F-4D97-AF65-F5344CB8AC3E}">
+        <p14:creationId xmlns:p14="http://schemas.microsoft.com/office/powerpoint/2010/main" val="100670882"/>
+      </p:ext>
+    </p:extLst>
+  </p:cSld>
+  <p:clrMap bg1="lt1" tx1="dk1" bg2="lt2" tx2="dk2" accent1="accent1" accent2="accent2" accent3="accent3" accent4="accent4" accent5="accent5" accent6="accent6" hlink="hlink" folHlink="folHlink"/>
+  <p:notesStyle>
+    <a:lvl1pPr marL="0" algn="l" defTabSz="914400" rtl="0" eaLnBrk="1" latinLnBrk="0" hangingPunct="1">
+      <a:defRPr sz="1200" kern="1200">
+        <a:solidFill>
+          <a:schemeClr val="tx1"/>
+        </a:solidFill>
+        <a:latin typeface="+mn-lt"/>
+        <a:ea typeface="+mn-ea"/>
+        <a:cs typeface="+mn-cs"/>
+      </a:defRPr>
+    </a:lvl1pPr>
+    <a:lvl2pPr marL="457200" algn="l" defTabSz="914400" rtl="0" eaLnBrk="1" latinLnBrk="0" hangingPunct="1">
+      <a:defRPr sz="1200" kern="1200">
+        <a:solidFill>
+          <a:schemeClr val="tx1"/>
+        </a:solidFill>
+        <a:latin typeface="+mn-lt"/>
+        <a:ea typeface="+mn-ea"/>
+        <a:cs typeface="+mn-cs"/>
+      </a:defRPr>
+    </a:lvl2pPr>
+    <a:lvl3pPr marL="914400" algn="l" defTabSz="914400" rtl="0" eaLnBrk="1" latinLnBrk="0" hangingPunct="1">
+      <a:defRPr sz="1200" kern="1200">
+        <a:solidFill>
+          <a:schemeClr val="tx1"/>
+        </a:solidFill>
+        <a:latin typeface="+mn-lt"/>
+        <a:ea typeface="+mn-ea"/>
+        <a:cs typeface="+mn-cs"/>
+      </a:defRPr>
+    </a:lvl3pPr>
+    <a:lvl4pPr marL="1371600" algn="l" defTabSz="914400" rtl="0" eaLnBrk="1" latinLnBrk="0" hangingPunct="1">
+      <a:defRPr sz="1200" kern="1200">
+        <a:solidFill>
+          <a:schemeClr val="tx1"/>
+        </a:solidFill>
+        <a:latin typeface="+mn-lt"/>
+        <a:ea typeface="+mn-ea"/>
+        <a:cs typeface="+mn-cs"/>
+      </a:defRPr>
+    </a:lvl4pPr>
+    <a:lvl5pPr marL="1828800" algn="l" defTabSz="914400" rtl="0" eaLnBrk="1" latinLnBrk="0" hangingPunct="1">
+      <a:defRPr sz="1200" kern="1200">
+        <a:solidFill>
+          <a:schemeClr val="tx1"/>
+        </a:solidFill>
+        <a:latin typeface="+mn-lt"/>
+        <a:ea typeface="+mn-ea"/>
+        <a:cs typeface="+mn-cs"/>
+      </a:defRPr>
+    </a:lvl5pPr>
+    <a:lvl6pPr marL="2286000" algn="l" defTabSz="914400" rtl="0" eaLnBrk="1" latinLnBrk="0" hangingPunct="1">
+      <a:defRPr sz="1200" kern="1200">
+        <a:solidFill>
+          <a:schemeClr val="tx1"/>
+        </a:solidFill>
+        <a:latin typeface="+mn-lt"/>
+        <a:ea typeface="+mn-ea"/>
+        <a:cs typeface="+mn-cs"/>
+      </a:defRPr>
+    </a:lvl6pPr>
+    <a:lvl7pPr marL="2743200" algn="l" defTabSz="914400" rtl="0" eaLnBrk="1" latinLnBrk="0" hangingPunct="1">
+      <a:defRPr sz="1200" kern="1200">
+        <a:solidFill>
+          <a:schemeClr val="tx1"/>
+        </a:solidFill>
+        <a:latin typeface="+mn-lt"/>
+        <a:ea typeface="+mn-ea"/>
+        <a:cs typeface="+mn-cs"/>
+      </a:defRPr>
+    </a:lvl7pPr>
+    <a:lvl8pPr marL="3200400" algn="l" defTabSz="914400" rtl="0" eaLnBrk="1" latinLnBrk="0" hangingPunct="1">
+      <a:defRPr sz="1200" kern="1200">
+        <a:solidFill>
+          <a:schemeClr val="tx1"/>
+        </a:solidFill>
+        <a:latin typeface="+mn-lt"/>
+        <a:ea typeface="+mn-ea"/>
+        <a:cs typeface="+mn-cs"/>
+      </a:defRPr>
+    </a:lvl8pPr>
+    <a:lvl9pPr marL="3657600" algn="l" defTabSz="914400" rtl="0" eaLnBrk="1" latinLnBrk="0" hangingPunct="1">
+      <a:defRPr sz="1200" kern="1200">
+        <a:solidFill>
+          <a:schemeClr val="tx1"/>
+        </a:solidFill>
+        <a:latin typeface="+mn-lt"/>
+        <a:ea typeface="+mn-ea"/>
+        <a:cs typeface="+mn-cs"/>
+      </a:defRPr>
+    </a:lvl9pPr>
+  </p:notesStyle>
+</p:notesMaster>
+</file>
+
 <file path=ppt/slideLayouts/slideLayout1.xml><?xml version="1.0" encoding="utf-8"?>
 <p:sldLayout xmlns:a="http://schemas.openxmlformats.org/drawingml/2006/main" xmlns:r="http://schemas.openxmlformats.org/officeDocument/2006/relationships" xmlns:p="http://schemas.openxmlformats.org/presentationml/2006/main" type="title" preserve="1">
   <p:cSld name="標題投影片">
@@ -3536,7 +3890,7 @@
           <a:p>
             <a:fld id="{ECDFED21-09AD-471B-8497-55B3AAD023D8}" type="datetimeFigureOut">
               <a:rPr lang="zh-TW" altLang="en-US" smtClean="0"/>
-              <a:t>2023/12/15</a:t>
+              <a:t>2023/12/21</a:t>
             </a:fld>
             <a:endParaRPr lang="zh-TW" altLang="en-US"/>
           </a:p>
@@ -3854,7 +4208,7 @@
           <a:p>
             <a:fld id="{ECDFED21-09AD-471B-8497-55B3AAD023D8}" type="datetimeFigureOut">
               <a:rPr lang="zh-TW" altLang="en-US" smtClean="0"/>
-              <a:t>2023/12/15</a:t>
+              <a:t>2023/12/21</a:t>
             </a:fld>
             <a:endParaRPr lang="zh-TW" altLang="en-US"/>
           </a:p>
@@ -4342,7 +4696,7 @@
           <a:p>
             <a:fld id="{ECDFED21-09AD-471B-8497-55B3AAD023D8}" type="datetimeFigureOut">
               <a:rPr lang="zh-TW" altLang="en-US" smtClean="0"/>
-              <a:t>2023/12/15</a:t>
+              <a:t>2023/12/21</a:t>
             </a:fld>
             <a:endParaRPr lang="zh-TW" altLang="en-US"/>
           </a:p>
@@ -4711,7 +5065,7 @@
           <a:p>
             <a:fld id="{ECDFED21-09AD-471B-8497-55B3AAD023D8}" type="datetimeFigureOut">
               <a:rPr lang="zh-TW" altLang="en-US" smtClean="0"/>
-              <a:t>2023/12/15</a:t>
+              <a:t>2023/12/21</a:t>
             </a:fld>
             <a:endParaRPr lang="zh-TW" altLang="en-US"/>
           </a:p>
@@ -4984,7 +5338,7 @@
           <a:p>
             <a:fld id="{ECDFED21-09AD-471B-8497-55B3AAD023D8}" type="datetimeFigureOut">
               <a:rPr lang="zh-TW" altLang="en-US" smtClean="0"/>
-              <a:t>2023/12/15</a:t>
+              <a:t>2023/12/21</a:t>
             </a:fld>
             <a:endParaRPr lang="zh-TW" altLang="en-US"/>
           </a:p>
@@ -5269,7 +5623,7 @@
           <a:p>
             <a:fld id="{ECDFED21-09AD-471B-8497-55B3AAD023D8}" type="datetimeFigureOut">
               <a:rPr lang="zh-TW" altLang="en-US" smtClean="0"/>
-              <a:t>2023/12/15</a:t>
+              <a:t>2023/12/21</a:t>
             </a:fld>
             <a:endParaRPr lang="zh-TW" altLang="en-US"/>
           </a:p>
@@ -5552,7 +5906,7 @@
           <a:p>
             <a:fld id="{ECDFED21-09AD-471B-8497-55B3AAD023D8}" type="datetimeFigureOut">
               <a:rPr lang="zh-TW" altLang="en-US" smtClean="0"/>
-              <a:t>2023/12/15</a:t>
+              <a:t>2023/12/21</a:t>
             </a:fld>
             <a:endParaRPr lang="zh-TW" altLang="en-US"/>
           </a:p>
@@ -5895,7 +6249,7 @@
           <a:p>
             <a:fld id="{ECDFED21-09AD-471B-8497-55B3AAD023D8}" type="datetimeFigureOut">
               <a:rPr lang="zh-TW" altLang="en-US" smtClean="0"/>
-              <a:t>2023/12/15</a:t>
+              <a:t>2023/12/21</a:t>
             </a:fld>
             <a:endParaRPr lang="zh-TW" altLang="en-US"/>
           </a:p>
@@ -6234,7 +6588,7 @@
           <a:p>
             <a:fld id="{ECDFED21-09AD-471B-8497-55B3AAD023D8}" type="datetimeFigureOut">
               <a:rPr lang="zh-TW" altLang="en-US" smtClean="0"/>
-              <a:t>2023/12/15</a:t>
+              <a:t>2023/12/21</a:t>
             </a:fld>
             <a:endParaRPr lang="zh-TW" altLang="en-US"/>
           </a:p>
@@ -6711,7 +7065,7 @@
           <a:p>
             <a:fld id="{ECDFED21-09AD-471B-8497-55B3AAD023D8}" type="datetimeFigureOut">
               <a:rPr lang="zh-TW" altLang="en-US" smtClean="0"/>
-              <a:t>2023/12/15</a:t>
+              <a:t>2023/12/21</a:t>
             </a:fld>
             <a:endParaRPr lang="zh-TW" altLang="en-US"/>
           </a:p>
@@ -6932,7 +7286,7 @@
           <a:p>
             <a:fld id="{ECDFED21-09AD-471B-8497-55B3AAD023D8}" type="datetimeFigureOut">
               <a:rPr lang="zh-TW" altLang="en-US" smtClean="0"/>
-              <a:t>2023/12/15</a:t>
+              <a:t>2023/12/21</a:t>
             </a:fld>
             <a:endParaRPr lang="zh-TW" altLang="en-US"/>
           </a:p>
@@ -7027,7 +7381,7 @@
           <a:p>
             <a:fld id="{ECDFED21-09AD-471B-8497-55B3AAD023D8}" type="datetimeFigureOut">
               <a:rPr lang="zh-TW" altLang="en-US" smtClean="0"/>
-              <a:t>2023/12/15</a:t>
+              <a:t>2023/12/21</a:t>
             </a:fld>
             <a:endParaRPr lang="zh-TW" altLang="en-US"/>
           </a:p>
@@ -7494,7 +7848,7 @@
           <a:p>
             <a:fld id="{ECDFED21-09AD-471B-8497-55B3AAD023D8}" type="datetimeFigureOut">
               <a:rPr lang="zh-TW" altLang="en-US" smtClean="0"/>
-              <a:t>2023/12/15</a:t>
+              <a:t>2023/12/21</a:t>
             </a:fld>
             <a:endParaRPr lang="zh-TW" altLang="en-US"/>
           </a:p>
@@ -7807,7 +8161,7 @@
           <a:p>
             <a:fld id="{ECDFED21-09AD-471B-8497-55B3AAD023D8}" type="datetimeFigureOut">
               <a:rPr lang="zh-TW" altLang="en-US" smtClean="0"/>
-              <a:t>2023/12/15</a:t>
+              <a:t>2023/12/21</a:t>
             </a:fld>
             <a:endParaRPr lang="zh-TW" altLang="en-US"/>
           </a:p>
@@ -8077,7 +8431,7 @@
           <a:p>
             <a:fld id="{ECDFED21-09AD-471B-8497-55B3AAD023D8}" type="datetimeFigureOut">
               <a:rPr lang="zh-TW" altLang="en-US" smtClean="0"/>
-              <a:t>2023/12/15</a:t>
+              <a:t>2023/12/21</a:t>
             </a:fld>
             <a:endParaRPr lang="zh-TW" altLang="en-US"/>
           </a:p>
@@ -8925,7 +9279,12 @@
             <p:ph type="title"/>
           </p:nvPr>
         </p:nvSpPr>
-        <p:spPr/>
+        <p:spPr>
+          <a:xfrm>
+            <a:off x="818712" y="296187"/>
+            <a:ext cx="10571998" cy="970450"/>
+          </a:xfrm>
+        </p:spPr>
         <p:txBody>
           <a:bodyPr/>
           <a:lstStyle/>
@@ -9080,6 +9439,44 @@
           </a:prstGeom>
         </p:spPr>
       </p:pic>
+      <p:sp>
+        <p:nvSpPr>
+          <p:cNvPr id="5" name="文字方塊 4">
+            <a:extLst>
+              <a:ext uri="{FF2B5EF4-FFF2-40B4-BE49-F238E27FC236}">
+                <a16:creationId xmlns:a16="http://schemas.microsoft.com/office/drawing/2014/main" id="{CC06944C-CC48-4460-BE25-CDE383FC258D}"/>
+              </a:ext>
+            </a:extLst>
+          </p:cNvPr>
+          <p:cNvSpPr txBox="1"/>
+          <p:nvPr/>
+        </p:nvSpPr>
+        <p:spPr>
+          <a:xfrm>
+            <a:off x="1031846" y="1409350"/>
+            <a:ext cx="1577130" cy="369332"/>
+          </a:xfrm>
+          <a:prstGeom prst="rect">
+            <a:avLst/>
+          </a:prstGeom>
+          <a:noFill/>
+        </p:spPr>
+        <p:txBody>
+          <a:bodyPr wrap="square" rtlCol="0">
+            <a:spAutoFit/>
+          </a:bodyPr>
+          <a:lstStyle/>
+          <a:p>
+            <a:r>
+              <a:rPr lang="zh-TW" altLang="en-US" dirty="0">
+                <a:latin typeface="標楷體" panose="03000509000000000000" pitchFamily="65" charset="-120"/>
+                <a:ea typeface="標楷體" panose="03000509000000000000" pitchFamily="65" charset="-120"/>
+              </a:rPr>
+              <a:t>依年齡層</a:t>
+            </a:r>
+          </a:p>
+        </p:txBody>
+      </p:sp>
     </p:spTree>
     <p:extLst>
       <p:ext uri="{BB962C8B-B14F-4D97-AF65-F5344CB8AC3E}">
@@ -9115,148 +9512,6 @@
           <p:cNvPr id="2" name="標題 1">
             <a:extLst>
               <a:ext uri="{FF2B5EF4-FFF2-40B4-BE49-F238E27FC236}">
-                <a16:creationId xmlns:a16="http://schemas.microsoft.com/office/drawing/2014/main" id="{F2A21018-CD6F-03E0-638B-CE83E70CED78}"/>
-              </a:ext>
-            </a:extLst>
-          </p:cNvPr>
-          <p:cNvSpPr>
-            <a:spLocks noGrp="1"/>
-          </p:cNvSpPr>
-          <p:nvPr>
-            <p:ph type="title"/>
-          </p:nvPr>
-        </p:nvSpPr>
-        <p:spPr/>
-        <p:txBody>
-          <a:bodyPr/>
-          <a:lstStyle/>
-          <a:p>
-            <a:r>
-              <a:rPr lang="zh-TW" altLang="en-US" dirty="0">
-                <a:latin typeface="標楷體" panose="03000509000000000000" pitchFamily="65" charset="-120"/>
-                <a:ea typeface="標楷體" panose="03000509000000000000" pitchFamily="65" charset="-120"/>
-              </a:rPr>
-              <a:t>資料應用流程</a:t>
-            </a:r>
-            <a:r>
-              <a:rPr lang="en-US" altLang="zh-TW" dirty="0">
-                <a:latin typeface="標楷體" panose="03000509000000000000" pitchFamily="65" charset="-120"/>
-                <a:ea typeface="標楷體" panose="03000509000000000000" pitchFamily="65" charset="-120"/>
-              </a:rPr>
-              <a:t>--</a:t>
-            </a:r>
-            <a:r>
-              <a:rPr lang="zh-TW" altLang="en-US" dirty="0">
-                <a:latin typeface="標楷體" panose="03000509000000000000" pitchFamily="65" charset="-120"/>
-                <a:ea typeface="標楷體" panose="03000509000000000000" pitchFamily="65" charset="-120"/>
-              </a:rPr>
-              <a:t>資料分析</a:t>
-            </a:r>
-            <a:r>
-              <a:rPr lang="en-US" altLang="zh-TW" dirty="0">
-                <a:latin typeface="標楷體" panose="03000509000000000000" pitchFamily="65" charset="-120"/>
-                <a:ea typeface="標楷體" panose="03000509000000000000" pitchFamily="65" charset="-120"/>
-              </a:rPr>
-              <a:t>(2)</a:t>
-            </a:r>
-            <a:endParaRPr lang="zh-TW" altLang="en-US" dirty="0"/>
-          </a:p>
-        </p:txBody>
-      </p:sp>
-      <p:pic>
-        <p:nvPicPr>
-          <p:cNvPr id="5" name="內容版面配置區 4">
-            <a:extLst>
-              <a:ext uri="{FF2B5EF4-FFF2-40B4-BE49-F238E27FC236}">
-                <a16:creationId xmlns:a16="http://schemas.microsoft.com/office/drawing/2014/main" id="{1D579895-796B-C0FE-716C-EBEFC26274D2}"/>
-              </a:ext>
-            </a:extLst>
-          </p:cNvPr>
-          <p:cNvPicPr>
-            <a:picLocks noGrp="1" noChangeAspect="1"/>
-          </p:cNvPicPr>
-          <p:nvPr>
-            <p:ph idx="1"/>
-          </p:nvPr>
-        </p:nvPicPr>
-        <p:blipFill>
-          <a:blip r:embed="rId2"/>
-          <a:stretch>
-            <a:fillRect/>
-          </a:stretch>
-        </p:blipFill>
-        <p:spPr>
-          <a:xfrm>
-            <a:off x="6683758" y="2337758"/>
-            <a:ext cx="5508242" cy="4192438"/>
-          </a:xfrm>
-        </p:spPr>
-      </p:pic>
-      <p:pic>
-        <p:nvPicPr>
-          <p:cNvPr id="7" name="圖片 6">
-            <a:extLst>
-              <a:ext uri="{FF2B5EF4-FFF2-40B4-BE49-F238E27FC236}">
-                <a16:creationId xmlns:a16="http://schemas.microsoft.com/office/drawing/2014/main" id="{2B48CB0D-1308-626B-9168-85D402135A09}"/>
-              </a:ext>
-            </a:extLst>
-          </p:cNvPr>
-          <p:cNvPicPr>
-            <a:picLocks noChangeAspect="1"/>
-          </p:cNvPicPr>
-          <p:nvPr/>
-        </p:nvPicPr>
-        <p:blipFill>
-          <a:blip r:embed="rId3"/>
-          <a:stretch>
-            <a:fillRect/>
-          </a:stretch>
-        </p:blipFill>
-        <p:spPr>
-          <a:xfrm>
-            <a:off x="140855" y="2337758"/>
-            <a:ext cx="6337626" cy="4102311"/>
-          </a:xfrm>
-          <a:prstGeom prst="rect">
-            <a:avLst/>
-          </a:prstGeom>
-        </p:spPr>
-      </p:pic>
-    </p:spTree>
-    <p:extLst>
-      <p:ext uri="{BB962C8B-B14F-4D97-AF65-F5344CB8AC3E}">
-        <p14:creationId xmlns:p14="http://schemas.microsoft.com/office/powerpoint/2010/main" val="2933470003"/>
-      </p:ext>
-    </p:extLst>
-  </p:cSld>
-  <p:clrMapOvr>
-    <a:masterClrMapping/>
-  </p:clrMapOvr>
-</p:sld>
-</file>
-
-<file path=ppt/slides/slide12.xml><?xml version="1.0" encoding="utf-8"?>
-<p:sld xmlns:a="http://schemas.openxmlformats.org/drawingml/2006/main" xmlns:r="http://schemas.openxmlformats.org/officeDocument/2006/relationships" xmlns:p="http://schemas.openxmlformats.org/presentationml/2006/main">
-  <p:cSld>
-    <p:spTree>
-      <p:nvGrpSpPr>
-        <p:cNvPr id="1" name=""/>
-        <p:cNvGrpSpPr/>
-        <p:nvPr/>
-      </p:nvGrpSpPr>
-      <p:grpSpPr>
-        <a:xfrm>
-          <a:off x="0" y="0"/>
-          <a:ext cx="0" cy="0"/>
-          <a:chOff x="0" y="0"/>
-          <a:chExt cx="0" cy="0"/>
-        </a:xfrm>
-      </p:grpSpPr>
-      <p:sp>
-        <p:nvSpPr>
-          <p:cNvPr id="2" name="標題 1">
-            <a:extLst>
-              <a:ext uri="{FF2B5EF4-FFF2-40B4-BE49-F238E27FC236}">
                 <a16:creationId xmlns:a16="http://schemas.microsoft.com/office/drawing/2014/main" id="{9CA0D9E8-ACB1-728C-15D1-BF402EF90D1E}"/>
               </a:ext>
             </a:extLst>
@@ -9268,7 +9523,12 @@
             <p:ph type="title"/>
           </p:nvPr>
         </p:nvSpPr>
-        <p:spPr/>
+        <p:spPr>
+          <a:xfrm>
+            <a:off x="801288" y="224227"/>
+            <a:ext cx="10571998" cy="970450"/>
+          </a:xfrm>
+        </p:spPr>
         <p:txBody>
           <a:bodyPr/>
           <a:lstStyle/>
@@ -9299,7 +9559,7 @@
                 <a:latin typeface="標楷體" panose="03000509000000000000" pitchFamily="65" charset="-120"/>
                 <a:ea typeface="標楷體" panose="03000509000000000000" pitchFamily="65" charset="-120"/>
               </a:rPr>
-              <a:t>(3)</a:t>
+              <a:t>(2)</a:t>
             </a:r>
             <a:endParaRPr lang="zh-TW" altLang="en-US" dirty="0">
               <a:latin typeface="標楷體" panose="03000509000000000000" pitchFamily="65" charset="-120"/>
@@ -9423,10 +9683,254 @@
           </a:prstGeom>
         </p:spPr>
       </p:pic>
+      <p:sp>
+        <p:nvSpPr>
+          <p:cNvPr id="7" name="文字方塊 6">
+            <a:extLst>
+              <a:ext uri="{FF2B5EF4-FFF2-40B4-BE49-F238E27FC236}">
+                <a16:creationId xmlns:a16="http://schemas.microsoft.com/office/drawing/2014/main" id="{94A9D378-7B5B-4D19-9406-DF7DB37CDD4F}"/>
+              </a:ext>
+            </a:extLst>
+          </p:cNvPr>
+          <p:cNvSpPr txBox="1"/>
+          <p:nvPr/>
+        </p:nvSpPr>
+        <p:spPr>
+          <a:xfrm>
+            <a:off x="1031846" y="1409350"/>
+            <a:ext cx="1577130" cy="369332"/>
+          </a:xfrm>
+          <a:prstGeom prst="rect">
+            <a:avLst/>
+          </a:prstGeom>
+          <a:noFill/>
+        </p:spPr>
+        <p:txBody>
+          <a:bodyPr wrap="square" rtlCol="0">
+            <a:spAutoFit/>
+          </a:bodyPr>
+          <a:lstStyle/>
+          <a:p>
+            <a:r>
+              <a:rPr lang="zh-TW" altLang="en-US" dirty="0">
+                <a:latin typeface="標楷體" panose="03000509000000000000" pitchFamily="65" charset="-120"/>
+                <a:ea typeface="標楷體" panose="03000509000000000000" pitchFamily="65" charset="-120"/>
+              </a:rPr>
+              <a:t>依年齡層</a:t>
+            </a:r>
+          </a:p>
+        </p:txBody>
+      </p:sp>
     </p:spTree>
     <p:extLst>
       <p:ext uri="{BB962C8B-B14F-4D97-AF65-F5344CB8AC3E}">
         <p14:creationId xmlns:p14="http://schemas.microsoft.com/office/powerpoint/2010/main" val="1905159342"/>
+      </p:ext>
+    </p:extLst>
+  </p:cSld>
+  <p:clrMapOvr>
+    <a:masterClrMapping/>
+  </p:clrMapOvr>
+</p:sld>
+</file>
+
+<file path=ppt/slides/slide12.xml><?xml version="1.0" encoding="utf-8"?>
+<p:sld xmlns:a="http://schemas.openxmlformats.org/drawingml/2006/main" xmlns:r="http://schemas.openxmlformats.org/officeDocument/2006/relationships" xmlns:p="http://schemas.openxmlformats.org/presentationml/2006/main">
+  <p:cSld>
+    <p:spTree>
+      <p:nvGrpSpPr>
+        <p:cNvPr id="1" name=""/>
+        <p:cNvGrpSpPr/>
+        <p:nvPr/>
+      </p:nvGrpSpPr>
+      <p:grpSpPr>
+        <a:xfrm>
+          <a:off x="0" y="0"/>
+          <a:ext cx="0" cy="0"/>
+          <a:chOff x="0" y="0"/>
+          <a:chExt cx="0" cy="0"/>
+        </a:xfrm>
+      </p:grpSpPr>
+      <p:sp>
+        <p:nvSpPr>
+          <p:cNvPr id="2" name="標題 1">
+            <a:extLst>
+              <a:ext uri="{FF2B5EF4-FFF2-40B4-BE49-F238E27FC236}">
+                <a16:creationId xmlns:a16="http://schemas.microsoft.com/office/drawing/2014/main" id="{F2A21018-CD6F-03E0-638B-CE83E70CED78}"/>
+              </a:ext>
+            </a:extLst>
+          </p:cNvPr>
+          <p:cNvSpPr>
+            <a:spLocks noGrp="1"/>
+          </p:cNvSpPr>
+          <p:nvPr>
+            <p:ph type="title"/>
+          </p:nvPr>
+        </p:nvSpPr>
+        <p:spPr/>
+        <p:txBody>
+          <a:bodyPr/>
+          <a:lstStyle/>
+          <a:p>
+            <a:r>
+              <a:rPr lang="zh-TW" altLang="en-US" dirty="0">
+                <a:latin typeface="標楷體" panose="03000509000000000000" pitchFamily="65" charset="-120"/>
+                <a:ea typeface="標楷體" panose="03000509000000000000" pitchFamily="65" charset="-120"/>
+              </a:rPr>
+              <a:t>資料應用流程</a:t>
+            </a:r>
+            <a:r>
+              <a:rPr lang="en-US" altLang="zh-TW" dirty="0">
+                <a:latin typeface="標楷體" panose="03000509000000000000" pitchFamily="65" charset="-120"/>
+                <a:ea typeface="標楷體" panose="03000509000000000000" pitchFamily="65" charset="-120"/>
+              </a:rPr>
+              <a:t>--</a:t>
+            </a:r>
+            <a:r>
+              <a:rPr lang="zh-TW" altLang="en-US" dirty="0">
+                <a:latin typeface="標楷體" panose="03000509000000000000" pitchFamily="65" charset="-120"/>
+                <a:ea typeface="標楷體" panose="03000509000000000000" pitchFamily="65" charset="-120"/>
+              </a:rPr>
+              <a:t>資料分析</a:t>
+            </a:r>
+            <a:r>
+              <a:rPr lang="en-US" altLang="zh-TW" dirty="0">
+                <a:latin typeface="標楷體" panose="03000509000000000000" pitchFamily="65" charset="-120"/>
+                <a:ea typeface="標楷體" panose="03000509000000000000" pitchFamily="65" charset="-120"/>
+              </a:rPr>
+              <a:t>(3)</a:t>
+            </a:r>
+            <a:endParaRPr lang="zh-TW" altLang="en-US" dirty="0"/>
+          </a:p>
+        </p:txBody>
+      </p:sp>
+      <p:pic>
+        <p:nvPicPr>
+          <p:cNvPr id="3" name="圖片 2">
+            <a:extLst>
+              <a:ext uri="{FF2B5EF4-FFF2-40B4-BE49-F238E27FC236}">
+                <a16:creationId xmlns:a16="http://schemas.microsoft.com/office/drawing/2014/main" id="{A68C6E2F-91F3-48E0-BC8F-4598759266E2}"/>
+              </a:ext>
+            </a:extLst>
+          </p:cNvPr>
+          <p:cNvPicPr>
+            <a:picLocks noChangeAspect="1"/>
+          </p:cNvPicPr>
+          <p:nvPr/>
+        </p:nvPicPr>
+        <p:blipFill>
+          <a:blip r:embed="rId2"/>
+          <a:stretch>
+            <a:fillRect/>
+          </a:stretch>
+        </p:blipFill>
+        <p:spPr>
+          <a:xfrm>
+            <a:off x="160419" y="2362925"/>
+            <a:ext cx="5817608" cy="4192437"/>
+          </a:xfrm>
+          <a:prstGeom prst="rect">
+            <a:avLst/>
+          </a:prstGeom>
+        </p:spPr>
+      </p:pic>
+      <p:sp>
+        <p:nvSpPr>
+          <p:cNvPr id="6" name="內容版面配置區 5">
+            <a:extLst>
+              <a:ext uri="{FF2B5EF4-FFF2-40B4-BE49-F238E27FC236}">
+                <a16:creationId xmlns:a16="http://schemas.microsoft.com/office/drawing/2014/main" id="{F36A3897-A421-465F-81E0-9A73E1FB6020}"/>
+              </a:ext>
+            </a:extLst>
+          </p:cNvPr>
+          <p:cNvSpPr>
+            <a:spLocks noGrp="1"/>
+          </p:cNvSpPr>
+          <p:nvPr>
+            <p:ph idx="1"/>
+          </p:nvPr>
+        </p:nvSpPr>
+        <p:spPr/>
+        <p:txBody>
+          <a:bodyPr/>
+          <a:lstStyle/>
+          <a:p>
+            <a:endParaRPr lang="zh-TW" altLang="en-US"/>
+          </a:p>
+        </p:txBody>
+      </p:sp>
+      <p:pic>
+        <p:nvPicPr>
+          <p:cNvPr id="8" name="圖片 7">
+            <a:extLst>
+              <a:ext uri="{FF2B5EF4-FFF2-40B4-BE49-F238E27FC236}">
+                <a16:creationId xmlns:a16="http://schemas.microsoft.com/office/drawing/2014/main" id="{65D67065-8B07-436D-AE78-B58696E62792}"/>
+              </a:ext>
+            </a:extLst>
+          </p:cNvPr>
+          <p:cNvPicPr>
+            <a:picLocks noChangeAspect="1"/>
+          </p:cNvPicPr>
+          <p:nvPr/>
+        </p:nvPicPr>
+        <p:blipFill>
+          <a:blip r:embed="rId3"/>
+          <a:stretch>
+            <a:fillRect/>
+          </a:stretch>
+        </p:blipFill>
+        <p:spPr>
+          <a:xfrm>
+            <a:off x="6166871" y="2382257"/>
+            <a:ext cx="5708668" cy="4173105"/>
+          </a:xfrm>
+          <a:prstGeom prst="rect">
+            <a:avLst/>
+          </a:prstGeom>
+        </p:spPr>
+      </p:pic>
+      <p:sp>
+        <p:nvSpPr>
+          <p:cNvPr id="9" name="文字方塊 8">
+            <a:extLst>
+              <a:ext uri="{FF2B5EF4-FFF2-40B4-BE49-F238E27FC236}">
+                <a16:creationId xmlns:a16="http://schemas.microsoft.com/office/drawing/2014/main" id="{10A19F01-8768-46FE-8CF3-F46AC21703D7}"/>
+              </a:ext>
+            </a:extLst>
+          </p:cNvPr>
+          <p:cNvSpPr txBox="1"/>
+          <p:nvPr/>
+        </p:nvSpPr>
+        <p:spPr>
+          <a:xfrm>
+            <a:off x="1031846" y="1409350"/>
+            <a:ext cx="1577130" cy="369332"/>
+          </a:xfrm>
+          <a:prstGeom prst="rect">
+            <a:avLst/>
+          </a:prstGeom>
+          <a:noFill/>
+        </p:spPr>
+        <p:txBody>
+          <a:bodyPr wrap="square" rtlCol="0">
+            <a:spAutoFit/>
+          </a:bodyPr>
+          <a:lstStyle/>
+          <a:p>
+            <a:r>
+              <a:rPr lang="zh-TW" altLang="en-US" dirty="0">
+                <a:latin typeface="標楷體" panose="03000509000000000000" pitchFamily="65" charset="-120"/>
+                <a:ea typeface="標楷體" panose="03000509000000000000" pitchFamily="65" charset="-120"/>
+              </a:rPr>
+              <a:t>依產業別</a:t>
+            </a:r>
+          </a:p>
+        </p:txBody>
+      </p:sp>
+    </p:spTree>
+    <p:extLst>
+      <p:ext uri="{BB962C8B-B14F-4D97-AF65-F5344CB8AC3E}">
+        <p14:creationId xmlns:p14="http://schemas.microsoft.com/office/powerpoint/2010/main" val="2933470003"/>
       </p:ext>
     </p:extLst>
   </p:cSld>
@@ -9469,7 +9973,12 @@
             <p:ph type="title"/>
           </p:nvPr>
         </p:nvSpPr>
-        <p:spPr/>
+        <p:spPr>
+          <a:xfrm>
+            <a:off x="818712" y="153574"/>
+            <a:ext cx="10571998" cy="970450"/>
+          </a:xfrm>
+        </p:spPr>
         <p:txBody>
           <a:bodyPr/>
           <a:lstStyle/>
@@ -9566,10 +10075,10 @@
       </p:sp>
       <p:pic>
         <p:nvPicPr>
-          <p:cNvPr id="7" name="圖片 6">
+          <p:cNvPr id="4" name="圖片 3">
             <a:extLst>
               <a:ext uri="{FF2B5EF4-FFF2-40B4-BE49-F238E27FC236}">
-                <a16:creationId xmlns:a16="http://schemas.microsoft.com/office/drawing/2014/main" id="{CCB3F7CD-DEA7-4BE0-B315-140C38BCAA3B}"/>
+                <a16:creationId xmlns:a16="http://schemas.microsoft.com/office/drawing/2014/main" id="{FF0C85A5-27AC-43F6-9A75-82B196D189FC}"/>
               </a:ext>
             </a:extLst>
           </p:cNvPr>
@@ -9586,8 +10095,8 @@
         </p:blipFill>
         <p:spPr>
           <a:xfrm>
-            <a:off x="234295" y="2222287"/>
-            <a:ext cx="5652595" cy="3868118"/>
+            <a:off x="6095999" y="2189777"/>
+            <a:ext cx="5716285" cy="4303302"/>
           </a:xfrm>
           <a:prstGeom prst="rect">
             <a:avLst/>
@@ -9596,10 +10105,10 @@
       </p:pic>
       <p:pic>
         <p:nvPicPr>
-          <p:cNvPr id="8" name="圖片 7">
+          <p:cNvPr id="6" name="圖片 5">
             <a:extLst>
               <a:ext uri="{FF2B5EF4-FFF2-40B4-BE49-F238E27FC236}">
-                <a16:creationId xmlns:a16="http://schemas.microsoft.com/office/drawing/2014/main" id="{69ADB4CD-1D18-482C-AD5B-AE65FD8D83C3}"/>
+                <a16:creationId xmlns:a16="http://schemas.microsoft.com/office/drawing/2014/main" id="{3FEE92AD-A9B9-43E7-AEC7-2A5B47641B62}"/>
               </a:ext>
             </a:extLst>
           </p:cNvPr>
@@ -9616,14 +10125,52 @@
         </p:blipFill>
         <p:spPr>
           <a:xfrm>
-            <a:off x="5982972" y="2218611"/>
-            <a:ext cx="6004807" cy="3871798"/>
+            <a:off x="208805" y="2202024"/>
+            <a:ext cx="5772334" cy="4270792"/>
           </a:xfrm>
           <a:prstGeom prst="rect">
             <a:avLst/>
           </a:prstGeom>
         </p:spPr>
       </p:pic>
+      <p:sp>
+        <p:nvSpPr>
+          <p:cNvPr id="9" name="文字方塊 8">
+            <a:extLst>
+              <a:ext uri="{FF2B5EF4-FFF2-40B4-BE49-F238E27FC236}">
+                <a16:creationId xmlns:a16="http://schemas.microsoft.com/office/drawing/2014/main" id="{BD6999D5-8A33-4BF7-875E-80D283DC95F2}"/>
+              </a:ext>
+            </a:extLst>
+          </p:cNvPr>
+          <p:cNvSpPr txBox="1"/>
+          <p:nvPr/>
+        </p:nvSpPr>
+        <p:spPr>
+          <a:xfrm>
+            <a:off x="1031846" y="1409350"/>
+            <a:ext cx="1577130" cy="369332"/>
+          </a:xfrm>
+          <a:prstGeom prst="rect">
+            <a:avLst/>
+          </a:prstGeom>
+          <a:noFill/>
+        </p:spPr>
+        <p:txBody>
+          <a:bodyPr wrap="square" rtlCol="0">
+            <a:spAutoFit/>
+          </a:bodyPr>
+          <a:lstStyle/>
+          <a:p>
+            <a:r>
+              <a:rPr lang="zh-TW" altLang="en-US" dirty="0">
+                <a:latin typeface="標楷體" panose="03000509000000000000" pitchFamily="65" charset="-120"/>
+                <a:ea typeface="標楷體" panose="03000509000000000000" pitchFamily="65" charset="-120"/>
+              </a:rPr>
+              <a:t>依產業別</a:t>
+            </a:r>
+          </a:p>
+        </p:txBody>
+      </p:sp>
     </p:spTree>
     <p:extLst>
       <p:ext uri="{BB962C8B-B14F-4D97-AF65-F5344CB8AC3E}">
@@ -9638,6 +10185,197 @@
 </file>
 
 <file path=ppt/slides/slide14.xml><?xml version="1.0" encoding="utf-8"?>
+<p:sld xmlns:a="http://schemas.openxmlformats.org/drawingml/2006/main" xmlns:r="http://schemas.openxmlformats.org/officeDocument/2006/relationships" xmlns:p="http://schemas.openxmlformats.org/presentationml/2006/main">
+  <p:cSld>
+    <p:spTree>
+      <p:nvGrpSpPr>
+        <p:cNvPr id="1" name=""/>
+        <p:cNvGrpSpPr/>
+        <p:nvPr/>
+      </p:nvGrpSpPr>
+      <p:grpSpPr>
+        <a:xfrm>
+          <a:off x="0" y="0"/>
+          <a:ext cx="0" cy="0"/>
+          <a:chOff x="0" y="0"/>
+          <a:chExt cx="0" cy="0"/>
+        </a:xfrm>
+      </p:grpSpPr>
+      <p:pic>
+        <p:nvPicPr>
+          <p:cNvPr id="11" name="內容版面配置區 10">
+            <a:extLst>
+              <a:ext uri="{FF2B5EF4-FFF2-40B4-BE49-F238E27FC236}">
+                <a16:creationId xmlns:a16="http://schemas.microsoft.com/office/drawing/2014/main" id="{C3137C2C-AF26-47D4-BC4F-EDDA2D81B8B5}"/>
+              </a:ext>
+            </a:extLst>
+          </p:cNvPr>
+          <p:cNvPicPr>
+            <a:picLocks noGrp="1" noChangeAspect="1"/>
+          </p:cNvPicPr>
+          <p:nvPr>
+            <p:ph idx="1"/>
+          </p:nvPr>
+        </p:nvPicPr>
+        <p:blipFill>
+          <a:blip r:embed="rId2"/>
+          <a:stretch>
+            <a:fillRect/>
+          </a:stretch>
+        </p:blipFill>
+        <p:spPr>
+          <a:xfrm>
+            <a:off x="6310186" y="2140721"/>
+            <a:ext cx="5712367" cy="4008409"/>
+          </a:xfrm>
+          <a:prstGeom prst="rect">
+            <a:avLst/>
+          </a:prstGeom>
+        </p:spPr>
+      </p:pic>
+      <p:pic>
+        <p:nvPicPr>
+          <p:cNvPr id="8" name="圖片 7">
+            <a:extLst>
+              <a:ext uri="{FF2B5EF4-FFF2-40B4-BE49-F238E27FC236}">
+                <a16:creationId xmlns:a16="http://schemas.microsoft.com/office/drawing/2014/main" id="{2FF54753-F607-4A85-B948-559C3632583F}"/>
+              </a:ext>
+            </a:extLst>
+          </p:cNvPr>
+          <p:cNvPicPr>
+            <a:picLocks noChangeAspect="1"/>
+          </p:cNvPicPr>
+          <p:nvPr/>
+        </p:nvPicPr>
+        <p:blipFill>
+          <a:blip r:embed="rId3"/>
+          <a:stretch>
+            <a:fillRect/>
+          </a:stretch>
+        </p:blipFill>
+        <p:spPr>
+          <a:xfrm>
+            <a:off x="266228" y="2140721"/>
+            <a:ext cx="5902991" cy="4008409"/>
+          </a:xfrm>
+          <a:prstGeom prst="rect">
+            <a:avLst/>
+          </a:prstGeom>
+        </p:spPr>
+      </p:pic>
+      <p:sp>
+        <p:nvSpPr>
+          <p:cNvPr id="9" name="標題 1">
+            <a:extLst>
+              <a:ext uri="{FF2B5EF4-FFF2-40B4-BE49-F238E27FC236}">
+                <a16:creationId xmlns:a16="http://schemas.microsoft.com/office/drawing/2014/main" id="{E2AFEE49-391C-448F-AE37-8375C53CF78F}"/>
+              </a:ext>
+            </a:extLst>
+          </p:cNvPr>
+          <p:cNvSpPr>
+            <a:spLocks noGrp="1"/>
+          </p:cNvSpPr>
+          <p:nvPr>
+            <p:ph type="title"/>
+          </p:nvPr>
+        </p:nvSpPr>
+        <p:spPr>
+          <a:xfrm>
+            <a:off x="800536" y="128894"/>
+            <a:ext cx="10572750" cy="969963"/>
+          </a:xfrm>
+        </p:spPr>
+        <p:txBody>
+          <a:bodyPr/>
+          <a:lstStyle/>
+          <a:p>
+            <a:r>
+              <a:rPr lang="zh-TW" altLang="en-US" dirty="0">
+                <a:latin typeface="標楷體" panose="03000509000000000000" pitchFamily="65" charset="-120"/>
+                <a:ea typeface="標楷體" panose="03000509000000000000" pitchFamily="65" charset="-120"/>
+              </a:rPr>
+              <a:t>資料應用流程</a:t>
+            </a:r>
+            <a:r>
+              <a:rPr lang="en-US" altLang="zh-TW" dirty="0">
+                <a:latin typeface="標楷體" panose="03000509000000000000" pitchFamily="65" charset="-120"/>
+                <a:ea typeface="標楷體" panose="03000509000000000000" pitchFamily="65" charset="-120"/>
+              </a:rPr>
+              <a:t>--</a:t>
+            </a:r>
+            <a:r>
+              <a:rPr lang="zh-TW" altLang="en-US" dirty="0">
+                <a:latin typeface="標楷體" panose="03000509000000000000" pitchFamily="65" charset="-120"/>
+                <a:ea typeface="標楷體" panose="03000509000000000000" pitchFamily="65" charset="-120"/>
+              </a:rPr>
+              <a:t>資料分析</a:t>
+            </a:r>
+            <a:r>
+              <a:rPr lang="en-US" altLang="zh-TW" dirty="0">
+                <a:latin typeface="標楷體" panose="03000509000000000000" pitchFamily="65" charset="-120"/>
+                <a:ea typeface="標楷體" panose="03000509000000000000" pitchFamily="65" charset="-120"/>
+              </a:rPr>
+              <a:t>(5)</a:t>
+            </a:r>
+            <a:endParaRPr lang="zh-TW" altLang="en-US" dirty="0">
+              <a:latin typeface="標楷體" panose="03000509000000000000" pitchFamily="65" charset="-120"/>
+              <a:ea typeface="標楷體" panose="03000509000000000000" pitchFamily="65" charset="-120"/>
+            </a:endParaRPr>
+          </a:p>
+        </p:txBody>
+      </p:sp>
+      <p:sp>
+        <p:nvSpPr>
+          <p:cNvPr id="10" name="文字方塊 9">
+            <a:extLst>
+              <a:ext uri="{FF2B5EF4-FFF2-40B4-BE49-F238E27FC236}">
+                <a16:creationId xmlns:a16="http://schemas.microsoft.com/office/drawing/2014/main" id="{7ECCE988-60E5-4F23-B154-82115D9E6D53}"/>
+              </a:ext>
+            </a:extLst>
+          </p:cNvPr>
+          <p:cNvSpPr txBox="1"/>
+          <p:nvPr/>
+        </p:nvSpPr>
+        <p:spPr>
+          <a:xfrm>
+            <a:off x="1031846" y="1409350"/>
+            <a:ext cx="1577130" cy="369332"/>
+          </a:xfrm>
+          <a:prstGeom prst="rect">
+            <a:avLst/>
+          </a:prstGeom>
+          <a:noFill/>
+        </p:spPr>
+        <p:txBody>
+          <a:bodyPr wrap="square" rtlCol="0">
+            <a:spAutoFit/>
+          </a:bodyPr>
+          <a:lstStyle/>
+          <a:p>
+            <a:r>
+              <a:rPr lang="zh-TW" altLang="en-US" dirty="0">
+                <a:latin typeface="標楷體" panose="03000509000000000000" pitchFamily="65" charset="-120"/>
+                <a:ea typeface="標楷體" panose="03000509000000000000" pitchFamily="65" charset="-120"/>
+              </a:rPr>
+              <a:t>依地區</a:t>
+            </a:r>
+          </a:p>
+        </p:txBody>
+      </p:sp>
+    </p:spTree>
+    <p:extLst>
+      <p:ext uri="{BB962C8B-B14F-4D97-AF65-F5344CB8AC3E}">
+        <p14:creationId xmlns:p14="http://schemas.microsoft.com/office/powerpoint/2010/main" val="1449319416"/>
+      </p:ext>
+    </p:extLst>
+  </p:cSld>
+  <p:clrMapOvr>
+    <a:masterClrMapping/>
+  </p:clrMapOvr>
+</p:sld>
+</file>
+
+<file path=ppt/slides/slide15.xml><?xml version="1.0" encoding="utf-8"?>
 <p:sld xmlns:a="http://schemas.openxmlformats.org/drawingml/2006/main" xmlns:r="http://schemas.openxmlformats.org/officeDocument/2006/relationships" xmlns:p="http://schemas.openxmlformats.org/presentationml/2006/main">
   <p:cSld>
     <p:spTree>
@@ -9670,7 +10408,12 @@
             <p:ph type="title"/>
           </p:nvPr>
         </p:nvSpPr>
-        <p:spPr/>
+        <p:spPr>
+          <a:xfrm>
+            <a:off x="801288" y="203585"/>
+            <a:ext cx="10571998" cy="970450"/>
+          </a:xfrm>
+        </p:spPr>
         <p:txBody>
           <a:bodyPr/>
           <a:lstStyle/>
@@ -9701,7 +10444,7 @@
                 <a:latin typeface="標楷體" panose="03000509000000000000" pitchFamily="65" charset="-120"/>
                 <a:ea typeface="標楷體" panose="03000509000000000000" pitchFamily="65" charset="-120"/>
               </a:rPr>
-              <a:t>(5)</a:t>
+              <a:t>(6)</a:t>
             </a:r>
             <a:endParaRPr lang="zh-TW" altLang="en-US" dirty="0">
               <a:latin typeface="標楷體" panose="03000509000000000000" pitchFamily="65" charset="-120"/>
@@ -9825,185 +10568,12 @@
           </a:prstGeom>
         </p:spPr>
       </p:pic>
-    </p:spTree>
-    <p:extLst>
-      <p:ext uri="{BB962C8B-B14F-4D97-AF65-F5344CB8AC3E}">
-        <p14:creationId xmlns:p14="http://schemas.microsoft.com/office/powerpoint/2010/main" val="175826341"/>
-      </p:ext>
-    </p:extLst>
-  </p:cSld>
-  <p:clrMapOvr>
-    <a:masterClrMapping/>
-  </p:clrMapOvr>
-</p:sld>
-</file>
-
-<file path=ppt/slides/slide15.xml><?xml version="1.0" encoding="utf-8"?>
-<p:sld xmlns:a="http://schemas.openxmlformats.org/drawingml/2006/main" xmlns:r="http://schemas.openxmlformats.org/officeDocument/2006/relationships" xmlns:p="http://schemas.openxmlformats.org/presentationml/2006/main">
-  <p:cSld>
-    <p:spTree>
-      <p:nvGrpSpPr>
-        <p:cNvPr id="1" name=""/>
-        <p:cNvGrpSpPr/>
-        <p:nvPr/>
-      </p:nvGrpSpPr>
-      <p:grpSpPr>
-        <a:xfrm>
-          <a:off x="0" y="0"/>
-          <a:ext cx="0" cy="0"/>
-          <a:chOff x="0" y="0"/>
-          <a:chExt cx="0" cy="0"/>
-        </a:xfrm>
-      </p:grpSpPr>
       <p:sp>
         <p:nvSpPr>
-          <p:cNvPr id="2" name="標題 1">
+          <p:cNvPr id="7" name="文字方塊 6">
             <a:extLst>
               <a:ext uri="{FF2B5EF4-FFF2-40B4-BE49-F238E27FC236}">
-                <a16:creationId xmlns:a16="http://schemas.microsoft.com/office/drawing/2014/main" id="{851DCB2F-7A5E-40AA-8E24-62E7B6452B67}"/>
-              </a:ext>
-            </a:extLst>
-          </p:cNvPr>
-          <p:cNvSpPr>
-            <a:spLocks noGrp="1"/>
-          </p:cNvSpPr>
-          <p:nvPr>
-            <p:ph type="title"/>
-          </p:nvPr>
-        </p:nvSpPr>
-        <p:spPr>
-          <a:xfrm>
-            <a:off x="810000" y="447188"/>
-            <a:ext cx="10571998" cy="744049"/>
-          </a:xfrm>
-        </p:spPr>
-        <p:txBody>
-          <a:bodyPr/>
-          <a:lstStyle/>
-          <a:p>
-            <a:r>
-              <a:rPr lang="zh-TW" altLang="en-US" dirty="0">
-                <a:latin typeface="標楷體" panose="03000509000000000000" pitchFamily="65" charset="-120"/>
-                <a:ea typeface="標楷體" panose="03000509000000000000" pitchFamily="65" charset="-120"/>
-              </a:rPr>
-              <a:t>資料應用流程</a:t>
-            </a:r>
-            <a:r>
-              <a:rPr lang="en-US" altLang="zh-TW" dirty="0">
-                <a:latin typeface="標楷體" panose="03000509000000000000" pitchFamily="65" charset="-120"/>
-                <a:ea typeface="標楷體" panose="03000509000000000000" pitchFamily="65" charset="-120"/>
-              </a:rPr>
-              <a:t>--</a:t>
-            </a:r>
-            <a:r>
-              <a:rPr lang="zh-TW" altLang="en-US" dirty="0">
-                <a:latin typeface="標楷體" panose="03000509000000000000" pitchFamily="65" charset="-120"/>
-                <a:ea typeface="標楷體" panose="03000509000000000000" pitchFamily="65" charset="-120"/>
-              </a:rPr>
-              <a:t>資料分析</a:t>
-            </a:r>
-            <a:r>
-              <a:rPr lang="en-US" altLang="zh-TW" dirty="0">
-                <a:latin typeface="標楷體" panose="03000509000000000000" pitchFamily="65" charset="-120"/>
-                <a:ea typeface="標楷體" panose="03000509000000000000" pitchFamily="65" charset="-120"/>
-              </a:rPr>
-              <a:t>(6)</a:t>
-            </a:r>
-            <a:endParaRPr lang="zh-TW" altLang="en-US" dirty="0"/>
-          </a:p>
-        </p:txBody>
-      </p:sp>
-      <p:sp>
-        <p:nvSpPr>
-          <p:cNvPr id="3" name="內容版面配置區 2">
-            <a:extLst>
-              <a:ext uri="{FF2B5EF4-FFF2-40B4-BE49-F238E27FC236}">
-                <a16:creationId xmlns:a16="http://schemas.microsoft.com/office/drawing/2014/main" id="{1108DFA3-7D60-4639-8FE6-A3D9BCA65AF8}"/>
-              </a:ext>
-            </a:extLst>
-          </p:cNvPr>
-          <p:cNvSpPr>
-            <a:spLocks noGrp="1"/>
-          </p:cNvSpPr>
-          <p:nvPr>
-            <p:ph idx="1"/>
-          </p:nvPr>
-        </p:nvSpPr>
-        <p:spPr/>
-        <p:txBody>
-          <a:bodyPr/>
-          <a:lstStyle/>
-          <a:p>
-            <a:endParaRPr lang="zh-TW" altLang="en-US"/>
-          </a:p>
-        </p:txBody>
-      </p:sp>
-      <p:pic>
-        <p:nvPicPr>
-          <p:cNvPr id="4" name="圖片 3">
-            <a:extLst>
-              <a:ext uri="{FF2B5EF4-FFF2-40B4-BE49-F238E27FC236}">
-                <a16:creationId xmlns:a16="http://schemas.microsoft.com/office/drawing/2014/main" id="{81ED4FAA-86AC-4619-B774-5FF1043553BB}"/>
-              </a:ext>
-            </a:extLst>
-          </p:cNvPr>
-          <p:cNvPicPr>
-            <a:picLocks noChangeAspect="1"/>
-          </p:cNvPicPr>
-          <p:nvPr/>
-        </p:nvPicPr>
-        <p:blipFill>
-          <a:blip r:embed="rId2"/>
-          <a:stretch>
-            <a:fillRect/>
-          </a:stretch>
-        </p:blipFill>
-        <p:spPr>
-          <a:xfrm>
-            <a:off x="326054" y="2350318"/>
-            <a:ext cx="5223148" cy="3027025"/>
-          </a:xfrm>
-          <a:prstGeom prst="rect">
-            <a:avLst/>
-          </a:prstGeom>
-        </p:spPr>
-      </p:pic>
-      <p:pic>
-        <p:nvPicPr>
-          <p:cNvPr id="5" name="圖片 4">
-            <a:extLst>
-              <a:ext uri="{FF2B5EF4-FFF2-40B4-BE49-F238E27FC236}">
-                <a16:creationId xmlns:a16="http://schemas.microsoft.com/office/drawing/2014/main" id="{98E1AB06-C5E7-4371-8C52-173EC6F20876}"/>
-              </a:ext>
-            </a:extLst>
-          </p:cNvPr>
-          <p:cNvPicPr>
-            <a:picLocks noChangeAspect="1"/>
-          </p:cNvPicPr>
-          <p:nvPr/>
-        </p:nvPicPr>
-        <p:blipFill>
-          <a:blip r:embed="rId3"/>
-          <a:stretch>
-            <a:fillRect/>
-          </a:stretch>
-        </p:blipFill>
-        <p:spPr>
-          <a:xfrm>
-            <a:off x="5189042" y="2222287"/>
-            <a:ext cx="6058746" cy="3600953"/>
-          </a:xfrm>
-          <a:prstGeom prst="rect">
-            <a:avLst/>
-          </a:prstGeom>
-        </p:spPr>
-      </p:pic>
-      <p:sp>
-        <p:nvSpPr>
-          <p:cNvPr id="6" name="文字方塊 5">
-            <a:extLst>
-              <a:ext uri="{FF2B5EF4-FFF2-40B4-BE49-F238E27FC236}">
-                <a16:creationId xmlns:a16="http://schemas.microsoft.com/office/drawing/2014/main" id="{65289E2A-7CED-42FB-8827-ADE7AECB0B53}"/>
+                <a16:creationId xmlns:a16="http://schemas.microsoft.com/office/drawing/2014/main" id="{9A8F515E-42CF-4BE0-AA45-516B4C0C01E2}"/>
               </a:ext>
             </a:extLst>
           </p:cNvPr>
@@ -10012,8 +10582,8 @@
         </p:nvSpPr>
         <p:spPr>
           <a:xfrm>
-            <a:off x="939568" y="1371500"/>
-            <a:ext cx="3372374" cy="369332"/>
+            <a:off x="1031846" y="1409350"/>
+            <a:ext cx="1577130" cy="369332"/>
           </a:xfrm>
           <a:prstGeom prst="rect">
             <a:avLst/>
@@ -10031,7 +10601,7 @@
                 <a:latin typeface="標楷體" panose="03000509000000000000" pitchFamily="65" charset="-120"/>
                 <a:ea typeface="標楷體" panose="03000509000000000000" pitchFamily="65" charset="-120"/>
               </a:rPr>
-              <a:t>採標籤編碼法轉換非數值資料</a:t>
+              <a:t>依地區</a:t>
             </a:r>
           </a:p>
         </p:txBody>
@@ -10039,7 +10609,7 @@
     </p:spTree>
     <p:extLst>
       <p:ext uri="{BB962C8B-B14F-4D97-AF65-F5344CB8AC3E}">
-        <p14:creationId xmlns:p14="http://schemas.microsoft.com/office/powerpoint/2010/main" val="542100686"/>
+        <p14:creationId xmlns:p14="http://schemas.microsoft.com/office/powerpoint/2010/main" val="175826341"/>
       </p:ext>
     </p:extLst>
   </p:cSld>
@@ -10118,37 +10688,50 @@
                 <a:latin typeface="標楷體" panose="03000509000000000000" pitchFamily="65" charset="-120"/>
                 <a:ea typeface="標楷體" panose="03000509000000000000" pitchFamily="65" charset="-120"/>
               </a:rPr>
-              <a:t>(6)</a:t>
+              <a:t>(7)</a:t>
             </a:r>
             <a:endParaRPr lang="zh-TW" altLang="en-US" dirty="0"/>
           </a:p>
         </p:txBody>
       </p:sp>
-      <p:sp>
-        <p:nvSpPr>
-          <p:cNvPr id="3" name="內容版面配置區 2">
+      <p:pic>
+        <p:nvPicPr>
+          <p:cNvPr id="11" name="內容版面配置區 10" descr="研究">
             <a:extLst>
               <a:ext uri="{FF2B5EF4-FFF2-40B4-BE49-F238E27FC236}">
-                <a16:creationId xmlns:a16="http://schemas.microsoft.com/office/drawing/2014/main" id="{1108DFA3-7D60-4639-8FE6-A3D9BCA65AF8}"/>
+                <a16:creationId xmlns:a16="http://schemas.microsoft.com/office/drawing/2014/main" id="{5C05EC6A-EEBF-484F-B5A5-2349E845FE01}"/>
               </a:ext>
             </a:extLst>
           </p:cNvPr>
-          <p:cNvSpPr>
-            <a:spLocks noGrp="1"/>
-          </p:cNvSpPr>
+          <p:cNvPicPr>
+            <a:picLocks noGrp="1" noChangeAspect="1"/>
+          </p:cNvPicPr>
           <p:nvPr>
             <p:ph idx="1"/>
           </p:nvPr>
-        </p:nvSpPr>
-        <p:spPr/>
-        <p:txBody>
-          <a:bodyPr/>
-          <a:lstStyle/>
-          <a:p>
-            <a:endParaRPr lang="zh-TW" altLang="en-US"/>
-          </a:p>
-        </p:txBody>
-      </p:sp>
+        </p:nvPicPr>
+        <p:blipFill>
+          <a:blip r:embed="rId2">
+            <a:extLst>
+              <a:ext uri="{28A0092B-C50C-407E-A947-70E740481C1C}">
+                <a14:useLocalDpi xmlns:a14="http://schemas.microsoft.com/office/drawing/2010/main" val="0"/>
+              </a:ext>
+              <a:ext uri="{96DAC541-7B7A-43D3-8B79-37D633B846F1}">
+                <asvg:svgBlip xmlns:asvg="http://schemas.microsoft.com/office/drawing/2016/SVG/main" r:embed="rId3"/>
+              </a:ext>
+            </a:extLst>
+          </a:blip>
+          <a:stretch>
+            <a:fillRect/>
+          </a:stretch>
+        </p:blipFill>
+        <p:spPr>
+          <a:xfrm>
+            <a:off x="5638800" y="3583781"/>
+            <a:ext cx="914400" cy="914400"/>
+          </a:xfrm>
+        </p:spPr>
+      </p:pic>
       <p:sp>
         <p:nvSpPr>
           <p:cNvPr id="6" name="文字方塊 5">
@@ -10164,7 +10747,7 @@
         <p:spPr>
           <a:xfrm>
             <a:off x="939568" y="1371500"/>
-            <a:ext cx="3749878" cy="646331"/>
+            <a:ext cx="3372374" cy="369332"/>
           </a:xfrm>
           <a:prstGeom prst="rect">
             <a:avLst/>
@@ -10177,15 +10760,6 @@
           </a:bodyPr>
           <a:lstStyle/>
           <a:p>
-            <a:r>
-              <a:rPr lang="zh-TW" altLang="en-US" dirty="0">
-                <a:latin typeface="標楷體" panose="03000509000000000000" pitchFamily="65" charset="-120"/>
-                <a:ea typeface="標楷體" panose="03000509000000000000" pitchFamily="65" charset="-120"/>
-              </a:rPr>
-              <a:t>採用皮爾森相關係數進行特徵選擇</a:t>
-            </a:r>
-          </a:p>
-          <a:p>
             <a:endParaRPr lang="zh-TW" altLang="en-US" dirty="0">
               <a:latin typeface="標楷體" panose="03000509000000000000" pitchFamily="65" charset="-120"/>
               <a:ea typeface="標楷體" panose="03000509000000000000" pitchFamily="65" charset="-120"/>
@@ -10198,7 +10772,7 @@
           <p:cNvPr id="8" name="圖片 7">
             <a:extLst>
               <a:ext uri="{FF2B5EF4-FFF2-40B4-BE49-F238E27FC236}">
-                <a16:creationId xmlns:a16="http://schemas.microsoft.com/office/drawing/2014/main" id="{D9787914-97DF-4ADF-B871-5F4880894F59}"/>
+                <a16:creationId xmlns:a16="http://schemas.microsoft.com/office/drawing/2014/main" id="{C1B160A5-081C-4B2E-87E3-3C84BB7E5D10}"/>
               </a:ext>
             </a:extLst>
           </p:cNvPr>
@@ -10208,15 +10782,15 @@
           <p:nvPr/>
         </p:nvPicPr>
         <p:blipFill>
-          <a:blip r:embed="rId2"/>
+          <a:blip r:embed="rId4"/>
           <a:stretch>
             <a:fillRect/>
           </a:stretch>
         </p:blipFill>
         <p:spPr>
           <a:xfrm>
-            <a:off x="337367" y="2222286"/>
-            <a:ext cx="4897363" cy="3073775"/>
+            <a:off x="818712" y="3993160"/>
+            <a:ext cx="3833768" cy="1811088"/>
           </a:xfrm>
           <a:prstGeom prst="rect">
             <a:avLst/>
@@ -10228,7 +10802,7 @@
           <p:cNvPr id="9" name="圖片 8">
             <a:extLst>
               <a:ext uri="{FF2B5EF4-FFF2-40B4-BE49-F238E27FC236}">
-                <a16:creationId xmlns:a16="http://schemas.microsoft.com/office/drawing/2014/main" id="{E8B3879C-AFB0-4AA0-9526-EC3ACB2D46B0}"/>
+                <a16:creationId xmlns:a16="http://schemas.microsoft.com/office/drawing/2014/main" id="{70A0E256-0CFD-4F26-BACD-FF29E5DE6486}"/>
               </a:ext>
             </a:extLst>
           </p:cNvPr>
@@ -10238,15 +10812,54 @@
           <p:nvPr/>
         </p:nvPicPr>
         <p:blipFill>
-          <a:blip r:embed="rId3"/>
+          <a:blip r:embed="rId5"/>
           <a:stretch>
             <a:fillRect/>
           </a:stretch>
         </p:blipFill>
         <p:spPr>
           <a:xfrm>
-            <a:off x="5375245" y="2222286"/>
-            <a:ext cx="6344173" cy="4400144"/>
+            <a:off x="4865614" y="2220394"/>
+            <a:ext cx="6870417" cy="3641173"/>
+          </a:xfrm>
+          <a:prstGeom prst="rect">
+            <a:avLst/>
+          </a:prstGeom>
+        </p:spPr>
+      </p:pic>
+      <p:pic>
+        <p:nvPicPr>
+          <p:cNvPr id="16" name="圖形 15" descr="放大鏡">
+            <a:extLst>
+              <a:ext uri="{FF2B5EF4-FFF2-40B4-BE49-F238E27FC236}">
+                <a16:creationId xmlns:a16="http://schemas.microsoft.com/office/drawing/2014/main" id="{EF63AD2C-2AAA-4571-B78C-E55440D1F11C}"/>
+              </a:ext>
+            </a:extLst>
+          </p:cNvPr>
+          <p:cNvPicPr>
+            <a:picLocks noChangeAspect="1"/>
+          </p:cNvPicPr>
+          <p:nvPr/>
+        </p:nvPicPr>
+        <p:blipFill>
+          <a:blip r:embed="rId6">
+            <a:extLst>
+              <a:ext uri="{28A0092B-C50C-407E-A947-70E740481C1C}">
+                <a14:useLocalDpi xmlns:a14="http://schemas.microsoft.com/office/drawing/2010/main" val="0"/>
+              </a:ext>
+              <a:ext uri="{96DAC541-7B7A-43D3-8B79-37D633B846F1}">
+                <asvg:svgBlip xmlns:asvg="http://schemas.microsoft.com/office/drawing/2016/SVG/main" r:embed="rId7"/>
+              </a:ext>
+            </a:extLst>
+          </a:blip>
+          <a:stretch>
+            <a:fillRect/>
+          </a:stretch>
+        </p:blipFill>
+        <p:spPr>
+          <a:xfrm>
+            <a:off x="10821631" y="2359404"/>
+            <a:ext cx="914400" cy="914400"/>
           </a:xfrm>
           <a:prstGeom prst="rect">
             <a:avLst/>
@@ -10255,10 +10868,10 @@
       </p:pic>
       <p:sp>
         <p:nvSpPr>
-          <p:cNvPr id="10" name="矩形 9">
+          <p:cNvPr id="19" name="矩形: 圓角 18">
             <a:extLst>
               <a:ext uri="{FF2B5EF4-FFF2-40B4-BE49-F238E27FC236}">
-                <a16:creationId xmlns:a16="http://schemas.microsoft.com/office/drawing/2014/main" id="{466EAD82-1C6B-4D2E-8989-A30D01BC6FB0}"/>
+                <a16:creationId xmlns:a16="http://schemas.microsoft.com/office/drawing/2014/main" id="{75DFB86D-C36A-498E-8D8E-A1EE92849B69}"/>
               </a:ext>
             </a:extLst>
           </p:cNvPr>
@@ -10267,18 +10880,17 @@
         </p:nvSpPr>
         <p:spPr>
           <a:xfrm>
-            <a:off x="5445641" y="5675034"/>
-            <a:ext cx="3227304" cy="864311"/>
+            <a:off x="922790" y="4498181"/>
+            <a:ext cx="2697866" cy="1228365"/>
           </a:xfrm>
-          <a:prstGeom prst="rect">
+          <a:prstGeom prst="roundRect">
             <a:avLst/>
           </a:prstGeom>
-          <a:noFill/>
-          <a:ln w="31750">
-            <a:solidFill>
-              <a:srgbClr val="FFFF00"/>
-            </a:solidFill>
-          </a:ln>
+          <a:solidFill>
+            <a:schemeClr val="accent4">
+              <a:alpha val="30000"/>
+            </a:schemeClr>
+          </a:solidFill>
         </p:spPr>
         <p:style>
           <a:lnRef idx="2">
@@ -10301,14 +10913,44 @@
           <a:lstStyle/>
           <a:p>
             <a:pPr algn="ctr"/>
-            <a:endParaRPr lang="zh-TW" altLang="en-US"/>
+            <a:endParaRPr lang="zh-TW" altLang="en-US" dirty="0"/>
           </a:p>
         </p:txBody>
       </p:sp>
+      <p:pic>
+        <p:nvPicPr>
+          <p:cNvPr id="20" name="圖片 19">
+            <a:extLst>
+              <a:ext uri="{FF2B5EF4-FFF2-40B4-BE49-F238E27FC236}">
+                <a16:creationId xmlns:a16="http://schemas.microsoft.com/office/drawing/2014/main" id="{9EF7EF18-5E00-4DDC-89B4-2804E002931F}"/>
+              </a:ext>
+            </a:extLst>
+          </p:cNvPr>
+          <p:cNvPicPr>
+            <a:picLocks noChangeAspect="1"/>
+          </p:cNvPicPr>
+          <p:nvPr/>
+        </p:nvPicPr>
+        <p:blipFill>
+          <a:blip r:embed="rId8"/>
+          <a:stretch>
+            <a:fillRect/>
+          </a:stretch>
+        </p:blipFill>
+        <p:spPr>
+          <a:xfrm>
+            <a:off x="818712" y="2344309"/>
+            <a:ext cx="3833767" cy="1455904"/>
+          </a:xfrm>
+          <a:prstGeom prst="rect">
+            <a:avLst/>
+          </a:prstGeom>
+        </p:spPr>
+      </p:pic>
     </p:spTree>
     <p:extLst>
       <p:ext uri="{BB962C8B-B14F-4D97-AF65-F5344CB8AC3E}">
-        <p14:creationId xmlns:p14="http://schemas.microsoft.com/office/powerpoint/2010/main" val="2690983990"/>
+        <p14:creationId xmlns:p14="http://schemas.microsoft.com/office/powerpoint/2010/main" val="542100686"/>
       </p:ext>
     </p:extLst>
   </p:cSld>
@@ -10320,6 +10962,913 @@
 
 <file path=ppt/slides/slide17.xml><?xml version="1.0" encoding="utf-8"?>
 <p:sld xmlns:a="http://schemas.openxmlformats.org/drawingml/2006/main" xmlns:r="http://schemas.openxmlformats.org/officeDocument/2006/relationships" xmlns:p="http://schemas.openxmlformats.org/presentationml/2006/main">
+  <p:cSld>
+    <p:spTree>
+      <p:nvGrpSpPr>
+        <p:cNvPr id="1" name=""/>
+        <p:cNvGrpSpPr/>
+        <p:nvPr/>
+      </p:nvGrpSpPr>
+      <p:grpSpPr>
+        <a:xfrm>
+          <a:off x="0" y="0"/>
+          <a:ext cx="0" cy="0"/>
+          <a:chOff x="0" y="0"/>
+          <a:chExt cx="0" cy="0"/>
+        </a:xfrm>
+      </p:grpSpPr>
+      <p:sp>
+        <p:nvSpPr>
+          <p:cNvPr id="3" name="內容版面配置區 2">
+            <a:extLst>
+              <a:ext uri="{FF2B5EF4-FFF2-40B4-BE49-F238E27FC236}">
+                <a16:creationId xmlns:a16="http://schemas.microsoft.com/office/drawing/2014/main" id="{BD13D281-5712-5789-6898-9798205D692D}"/>
+              </a:ext>
+            </a:extLst>
+          </p:cNvPr>
+          <p:cNvSpPr>
+            <a:spLocks noGrp="1"/>
+          </p:cNvSpPr>
+          <p:nvPr>
+            <p:ph idx="1"/>
+          </p:nvPr>
+        </p:nvSpPr>
+        <p:spPr/>
+        <p:txBody>
+          <a:bodyPr>
+            <a:normAutofit/>
+          </a:bodyPr>
+          <a:lstStyle/>
+          <a:p>
+            <a:r>
+              <a:rPr lang="zh-TW" altLang="en-US" sz="2000" dirty="0">
+                <a:latin typeface="標楷體" panose="03000509000000000000" pitchFamily="65" charset="-120"/>
+                <a:ea typeface="標楷體" panose="03000509000000000000" pitchFamily="65" charset="-120"/>
+              </a:rPr>
+              <a:t>依年齡層資料顯示信用卡消費集中於</a:t>
+            </a:r>
+            <a:r>
+              <a:rPr lang="en-US" altLang="zh-TW" sz="2000" dirty="0">
+                <a:latin typeface="標楷體" panose="03000509000000000000" pitchFamily="65" charset="-120"/>
+                <a:ea typeface="標楷體" panose="03000509000000000000" pitchFamily="65" charset="-120"/>
+              </a:rPr>
+              <a:t>35</a:t>
+            </a:r>
+            <a:r>
+              <a:rPr lang="zh-TW" altLang="en-US" sz="2000" dirty="0">
+                <a:latin typeface="標楷體" panose="03000509000000000000" pitchFamily="65" charset="-120"/>
+                <a:ea typeface="標楷體" panose="03000509000000000000" pitchFamily="65" charset="-120"/>
+              </a:rPr>
+              <a:t>歲至</a:t>
+            </a:r>
+            <a:r>
+              <a:rPr lang="en-US" altLang="zh-TW" sz="2000" dirty="0">
+                <a:latin typeface="標楷體" panose="03000509000000000000" pitchFamily="65" charset="-120"/>
+                <a:ea typeface="標楷體" panose="03000509000000000000" pitchFamily="65" charset="-120"/>
+              </a:rPr>
+              <a:t>55</a:t>
+            </a:r>
+            <a:r>
+              <a:rPr lang="zh-TW" altLang="en-US" sz="2000" dirty="0">
+                <a:latin typeface="標楷體" panose="03000509000000000000" pitchFamily="65" charset="-120"/>
+                <a:ea typeface="標楷體" panose="03000509000000000000" pitchFamily="65" charset="-120"/>
+              </a:rPr>
+              <a:t>歲之間，每筆平均交易金額與年齡成正比，各年齡，尤其年齡</a:t>
+            </a:r>
+            <a:r>
+              <a:rPr lang="en-US" altLang="zh-TW" sz="2000" dirty="0">
+                <a:latin typeface="標楷體" panose="03000509000000000000" pitchFamily="65" charset="-120"/>
+                <a:ea typeface="標楷體" panose="03000509000000000000" pitchFamily="65" charset="-120"/>
+              </a:rPr>
+              <a:t>80</a:t>
+            </a:r>
+            <a:r>
+              <a:rPr lang="zh-TW" altLang="en-US" sz="2000" dirty="0">
+                <a:latin typeface="標楷體" panose="03000509000000000000" pitchFamily="65" charset="-120"/>
+                <a:ea typeface="標楷體" panose="03000509000000000000" pitchFamily="65" charset="-120"/>
+              </a:rPr>
+              <a:t>歲以上之文敎康樂類每筆平均交易金額最高。</a:t>
+            </a:r>
+          </a:p>
+          <a:p>
+            <a:r>
+              <a:rPr lang="zh-TW" altLang="en-US" sz="2000" dirty="0">
+                <a:latin typeface="標楷體" panose="03000509000000000000" pitchFamily="65" charset="-120"/>
+                <a:ea typeface="標楷體" panose="03000509000000000000" pitchFamily="65" charset="-120"/>
+              </a:rPr>
+              <a:t>依產業別資料顯示信用卡交易金額以百貨業最高，其次是文教康樂、食等，每筆平均交易金額以文教康樂及住較高，顯示國人願意花較多的錢獲得較高品質的生活。</a:t>
+            </a:r>
+            <a:endParaRPr lang="en-US" altLang="zh-TW" sz="2000" dirty="0">
+              <a:latin typeface="標楷體" panose="03000509000000000000" pitchFamily="65" charset="-120"/>
+              <a:ea typeface="標楷體" panose="03000509000000000000" pitchFamily="65" charset="-120"/>
+            </a:endParaRPr>
+          </a:p>
+          <a:p>
+            <a:r>
+              <a:rPr lang="zh-TW" altLang="en-US" sz="2000" dirty="0">
+                <a:latin typeface="標楷體" panose="03000509000000000000" pitchFamily="65" charset="-120"/>
+                <a:ea typeface="標楷體" panose="03000509000000000000" pitchFamily="65" charset="-120"/>
+              </a:rPr>
+              <a:t>依地區的資料顯示信用卡消費高度集中在六都</a:t>
+            </a:r>
+            <a:r>
+              <a:rPr lang="en-US" altLang="zh-TW" sz="2000" dirty="0">
+                <a:latin typeface="標楷體" panose="03000509000000000000" pitchFamily="65" charset="-120"/>
+                <a:ea typeface="標楷體" panose="03000509000000000000" pitchFamily="65" charset="-120"/>
+              </a:rPr>
+              <a:t>,</a:t>
+            </a:r>
+            <a:r>
+              <a:rPr lang="zh-TW" altLang="en-US" sz="2000" dirty="0">
+                <a:latin typeface="標楷體" panose="03000509000000000000" pitchFamily="65" charset="-120"/>
+                <a:ea typeface="標楷體" panose="03000509000000000000" pitchFamily="65" charset="-120"/>
+              </a:rPr>
+              <a:t>尤其是台北市，每筆平均交易金額最高是台中市最高，以新北市最低。</a:t>
+            </a:r>
+            <a:endParaRPr lang="en-US" altLang="zh-TW" sz="2000" dirty="0">
+              <a:latin typeface="標楷體" panose="03000509000000000000" pitchFamily="65" charset="-120"/>
+              <a:ea typeface="標楷體" panose="03000509000000000000" pitchFamily="65" charset="-120"/>
+            </a:endParaRPr>
+          </a:p>
+          <a:p>
+            <a:r>
+              <a:rPr lang="zh-TW" altLang="en-US" sz="2000" dirty="0">
+                <a:latin typeface="標楷體" panose="03000509000000000000" pitchFamily="65" charset="-120"/>
+                <a:ea typeface="標楷體" panose="03000509000000000000" pitchFamily="65" charset="-120"/>
+              </a:rPr>
+              <a:t>預估</a:t>
+            </a:r>
+            <a:r>
+              <a:rPr lang="en-US" altLang="zh-TW" sz="2000" dirty="0">
+                <a:latin typeface="標楷體" panose="03000509000000000000" pitchFamily="65" charset="-120"/>
+                <a:ea typeface="標楷體" panose="03000509000000000000" pitchFamily="65" charset="-120"/>
+              </a:rPr>
+              <a:t>2023</a:t>
+            </a:r>
+            <a:r>
+              <a:rPr lang="zh-TW" altLang="en-US" sz="2000" dirty="0">
+                <a:latin typeface="標楷體" panose="03000509000000000000" pitchFamily="65" charset="-120"/>
+                <a:ea typeface="標楷體" panose="03000509000000000000" pitchFamily="65" charset="-120"/>
+              </a:rPr>
+              <a:t>年</a:t>
+            </a:r>
+            <a:r>
+              <a:rPr lang="en-US" altLang="zh-TW" sz="2000" dirty="0">
+                <a:latin typeface="標楷體" panose="03000509000000000000" pitchFamily="65" charset="-120"/>
+                <a:ea typeface="標楷體" panose="03000509000000000000" pitchFamily="65" charset="-120"/>
+              </a:rPr>
+              <a:t>10~12</a:t>
+            </a:r>
+            <a:r>
+              <a:rPr lang="zh-TW" altLang="en-US" sz="2000" dirty="0">
+                <a:latin typeface="標楷體" panose="03000509000000000000" pitchFamily="65" charset="-120"/>
+                <a:ea typeface="標楷體" panose="03000509000000000000" pitchFamily="65" charset="-120"/>
+              </a:rPr>
+              <a:t>月六都</a:t>
+            </a:r>
+            <a:r>
+              <a:rPr lang="en-US" altLang="zh-TW" sz="2000" dirty="0">
+                <a:latin typeface="標楷體" panose="03000509000000000000" pitchFamily="65" charset="-120"/>
+                <a:ea typeface="標楷體" panose="03000509000000000000" pitchFamily="65" charset="-120"/>
+              </a:rPr>
+              <a:t>(</a:t>
+            </a:r>
+            <a:r>
+              <a:rPr lang="zh-TW" altLang="en-US" sz="2000" dirty="0">
+                <a:latin typeface="標楷體" panose="03000509000000000000" pitchFamily="65" charset="-120"/>
+                <a:ea typeface="標楷體" panose="03000509000000000000" pitchFamily="65" charset="-120"/>
+              </a:rPr>
+              <a:t>不含其他類</a:t>
+            </a:r>
+            <a:r>
+              <a:rPr lang="en-US" altLang="zh-TW" sz="2000" dirty="0">
+                <a:latin typeface="標楷體" panose="03000509000000000000" pitchFamily="65" charset="-120"/>
+                <a:ea typeface="標楷體" panose="03000509000000000000" pitchFamily="65" charset="-120"/>
+              </a:rPr>
+              <a:t>)</a:t>
+            </a:r>
+            <a:r>
+              <a:rPr lang="zh-TW" altLang="en-US" sz="2000" dirty="0">
+                <a:latin typeface="標楷體" panose="03000509000000000000" pitchFamily="65" charset="-120"/>
+                <a:ea typeface="標楷體" panose="03000509000000000000" pitchFamily="65" charset="-120"/>
+              </a:rPr>
+              <a:t>交易金額應可達</a:t>
+            </a:r>
+            <a:r>
+              <a:rPr lang="en-US" altLang="zh-TW" sz="2000" dirty="0">
+                <a:latin typeface="標楷體" panose="03000509000000000000" pitchFamily="65" charset="-120"/>
+                <a:ea typeface="標楷體" panose="03000509000000000000" pitchFamily="65" charset="-120"/>
+              </a:rPr>
+              <a:t>5,607</a:t>
+            </a:r>
+            <a:r>
+              <a:rPr lang="zh-TW" altLang="en-US" sz="2000" dirty="0">
+                <a:latin typeface="標楷體" panose="03000509000000000000" pitchFamily="65" charset="-120"/>
+                <a:ea typeface="標楷體" panose="03000509000000000000" pitchFamily="65" charset="-120"/>
+              </a:rPr>
+              <a:t>億元。</a:t>
+            </a:r>
+            <a:endParaRPr lang="en-US" altLang="zh-TW" sz="2000" dirty="0">
+              <a:latin typeface="標楷體" panose="03000509000000000000" pitchFamily="65" charset="-120"/>
+              <a:ea typeface="標楷體" panose="03000509000000000000" pitchFamily="65" charset="-120"/>
+            </a:endParaRPr>
+          </a:p>
+        </p:txBody>
+      </p:sp>
+      <p:sp>
+        <p:nvSpPr>
+          <p:cNvPr id="5" name="標題 4">
+            <a:extLst>
+              <a:ext uri="{FF2B5EF4-FFF2-40B4-BE49-F238E27FC236}">
+                <a16:creationId xmlns:a16="http://schemas.microsoft.com/office/drawing/2014/main" id="{F3026DA0-D160-67EB-CE40-F1CA519ED24D}"/>
+              </a:ext>
+            </a:extLst>
+          </p:cNvPr>
+          <p:cNvSpPr>
+            <a:spLocks noGrp="1"/>
+          </p:cNvSpPr>
+          <p:nvPr>
+            <p:ph type="title"/>
+          </p:nvPr>
+        </p:nvSpPr>
+        <p:spPr/>
+        <p:txBody>
+          <a:bodyPr/>
+          <a:lstStyle/>
+          <a:p>
+            <a:pPr lvl="0"/>
+            <a:r>
+              <a:rPr lang="zh-TW" altLang="en-US" dirty="0">
+                <a:latin typeface="標楷體" panose="03000509000000000000" pitchFamily="65" charset="-120"/>
+                <a:ea typeface="標楷體" panose="03000509000000000000" pitchFamily="65" charset="-120"/>
+              </a:rPr>
+              <a:t>資料應用流程</a:t>
+            </a:r>
+            <a:r>
+              <a:rPr lang="en-US" altLang="zh-TW" dirty="0">
+                <a:latin typeface="標楷體" panose="03000509000000000000" pitchFamily="65" charset="-120"/>
+                <a:ea typeface="標楷體" panose="03000509000000000000" pitchFamily="65" charset="-120"/>
+              </a:rPr>
+              <a:t>--</a:t>
+            </a:r>
+            <a:r>
+              <a:rPr lang="zh-TW" altLang="en-US" dirty="0">
+                <a:latin typeface="標楷體" panose="03000509000000000000" pitchFamily="65" charset="-120"/>
+                <a:ea typeface="標楷體" panose="03000509000000000000" pitchFamily="65" charset="-120"/>
+              </a:rPr>
+              <a:t>資料解釋</a:t>
+            </a:r>
+          </a:p>
+        </p:txBody>
+      </p:sp>
+    </p:spTree>
+    <p:extLst>
+      <p:ext uri="{BB962C8B-B14F-4D97-AF65-F5344CB8AC3E}">
+        <p14:creationId xmlns:p14="http://schemas.microsoft.com/office/powerpoint/2010/main" val="1781606620"/>
+      </p:ext>
+    </p:extLst>
+  </p:cSld>
+  <p:clrMapOvr>
+    <a:masterClrMapping/>
+  </p:clrMapOvr>
+</p:sld>
+</file>
+
+<file path=ppt/slides/slide18.xml><?xml version="1.0" encoding="utf-8"?>
+<p:sld xmlns:a="http://schemas.openxmlformats.org/drawingml/2006/main" xmlns:r="http://schemas.openxmlformats.org/officeDocument/2006/relationships" xmlns:p="http://schemas.openxmlformats.org/presentationml/2006/main">
+  <p:cSld>
+    <p:spTree>
+      <p:nvGrpSpPr>
+        <p:cNvPr id="1" name=""/>
+        <p:cNvGrpSpPr/>
+        <p:nvPr/>
+      </p:nvGrpSpPr>
+      <p:grpSpPr>
+        <a:xfrm>
+          <a:off x="0" y="0"/>
+          <a:ext cx="0" cy="0"/>
+          <a:chOff x="0" y="0"/>
+          <a:chExt cx="0" cy="0"/>
+        </a:xfrm>
+      </p:grpSpPr>
+      <p:sp>
+        <p:nvSpPr>
+          <p:cNvPr id="2" name="標題 1">
+            <a:extLst>
+              <a:ext uri="{FF2B5EF4-FFF2-40B4-BE49-F238E27FC236}">
+                <a16:creationId xmlns:a16="http://schemas.microsoft.com/office/drawing/2014/main" id="{CAD0D855-49F0-173D-1E08-5332B5F3D643}"/>
+              </a:ext>
+            </a:extLst>
+          </p:cNvPr>
+          <p:cNvSpPr>
+            <a:spLocks noGrp="1"/>
+          </p:cNvSpPr>
+          <p:nvPr>
+            <p:ph type="title"/>
+          </p:nvPr>
+        </p:nvSpPr>
+        <p:spPr>
+          <a:xfrm>
+            <a:off x="575108" y="134534"/>
+            <a:ext cx="10571998" cy="850042"/>
+          </a:xfrm>
+        </p:spPr>
+        <p:txBody>
+          <a:bodyPr/>
+          <a:lstStyle/>
+          <a:p>
+            <a:r>
+              <a:rPr lang="zh-TW" altLang="en-US" sz="4000" dirty="0">
+                <a:latin typeface="標楷體" panose="03000509000000000000" pitchFamily="65" charset="-120"/>
+                <a:ea typeface="標楷體" panose="03000509000000000000" pitchFamily="65" charset="-120"/>
+              </a:rPr>
+              <a:t>影片演示</a:t>
+            </a:r>
+          </a:p>
+        </p:txBody>
+      </p:sp>
+      <p:sp>
+        <p:nvSpPr>
+          <p:cNvPr id="3" name="內容版面配置區 2">
+            <a:extLst>
+              <a:ext uri="{FF2B5EF4-FFF2-40B4-BE49-F238E27FC236}">
+                <a16:creationId xmlns:a16="http://schemas.microsoft.com/office/drawing/2014/main" id="{8F21482F-B888-A2CB-FB25-AB3661ED4EDB}"/>
+              </a:ext>
+            </a:extLst>
+          </p:cNvPr>
+          <p:cNvSpPr>
+            <a:spLocks noGrp="1"/>
+          </p:cNvSpPr>
+          <p:nvPr>
+            <p:ph idx="1"/>
+          </p:nvPr>
+        </p:nvSpPr>
+        <p:spPr/>
+        <p:txBody>
+          <a:bodyPr/>
+          <a:lstStyle/>
+          <a:p>
+            <a:endParaRPr lang="zh-TW" altLang="en-US" dirty="0"/>
+          </a:p>
+        </p:txBody>
+      </p:sp>
+      <p:sp>
+        <p:nvSpPr>
+          <p:cNvPr id="10" name="文字方塊 9">
+            <a:extLst>
+              <a:ext uri="{FF2B5EF4-FFF2-40B4-BE49-F238E27FC236}">
+                <a16:creationId xmlns:a16="http://schemas.microsoft.com/office/drawing/2014/main" id="{311E31AD-2CEB-4A71-9FCB-72B125CC993B}"/>
+              </a:ext>
+            </a:extLst>
+          </p:cNvPr>
+          <p:cNvSpPr txBox="1"/>
+          <p:nvPr/>
+        </p:nvSpPr>
+        <p:spPr>
+          <a:xfrm>
+            <a:off x="-69742" y="6446467"/>
+            <a:ext cx="1957265" cy="276999"/>
+          </a:xfrm>
+          <a:prstGeom prst="rect">
+            <a:avLst/>
+          </a:prstGeom>
+          <a:noFill/>
+        </p:spPr>
+        <p:txBody>
+          <a:bodyPr wrap="square" rtlCol="0">
+            <a:spAutoFit/>
+          </a:bodyPr>
+          <a:lstStyle/>
+          <a:p>
+            <a:r>
+              <a:rPr lang="en-US" altLang="zh-TW" sz="1200" dirty="0">
+                <a:solidFill>
+                  <a:schemeClr val="bg1">
+                    <a:lumMod val="75000"/>
+                    <a:lumOff val="25000"/>
+                  </a:schemeClr>
+                </a:solidFill>
+                <a:latin typeface="標楷體" panose="03000509000000000000" pitchFamily="65" charset="-120"/>
+                <a:ea typeface="標楷體" panose="03000509000000000000" pitchFamily="65" charset="-120"/>
+                <a:hlinkClick r:id="rId2">
+                  <a:extLst>
+                    <a:ext uri="{A12FA001-AC4F-418D-AE19-62706E023703}">
+                      <ahyp:hlinkClr xmlns:ahyp="http://schemas.microsoft.com/office/drawing/2018/hyperlinkcolor" val="tx"/>
+                    </a:ext>
+                  </a:extLst>
+                </a:hlinkClick>
+              </a:rPr>
+              <a:t>https://reurl.cc/RyKGZz</a:t>
+            </a:r>
+            <a:endParaRPr lang="zh-TW" altLang="en-US" sz="1200" dirty="0">
+              <a:solidFill>
+                <a:schemeClr val="bg1">
+                  <a:lumMod val="75000"/>
+                  <a:lumOff val="25000"/>
+                </a:schemeClr>
+              </a:solidFill>
+              <a:latin typeface="標楷體" panose="03000509000000000000" pitchFamily="65" charset="-120"/>
+              <a:ea typeface="標楷體" panose="03000509000000000000" pitchFamily="65" charset="-120"/>
+            </a:endParaRPr>
+          </a:p>
+        </p:txBody>
+      </p:sp>
+      <p:sp>
+        <p:nvSpPr>
+          <p:cNvPr id="5" name="矩形 4">
+            <a:extLst>
+              <a:ext uri="{FF2B5EF4-FFF2-40B4-BE49-F238E27FC236}">
+                <a16:creationId xmlns:a16="http://schemas.microsoft.com/office/drawing/2014/main" id="{A0CF9FE7-71A5-4352-9163-6DDDAB7AFC11}"/>
+              </a:ext>
+            </a:extLst>
+          </p:cNvPr>
+          <p:cNvSpPr/>
+          <p:nvPr/>
+        </p:nvSpPr>
+        <p:spPr>
+          <a:xfrm>
+            <a:off x="9048233" y="1449952"/>
+            <a:ext cx="2864887" cy="369332"/>
+          </a:xfrm>
+          <a:prstGeom prst="rect">
+            <a:avLst/>
+          </a:prstGeom>
+        </p:spPr>
+        <p:txBody>
+          <a:bodyPr wrap="none">
+            <a:spAutoFit/>
+          </a:bodyPr>
+          <a:lstStyle/>
+          <a:p>
+            <a:r>
+              <a:rPr lang="zh-TW" altLang="en-US" dirty="0">
+                <a:solidFill>
+                  <a:srgbClr val="002060"/>
+                </a:solidFill>
+                <a:hlinkClick r:id="rId3"/>
+              </a:rPr>
+              <a:t>https://reurl.cc/qrdOWE</a:t>
+            </a:r>
+            <a:endParaRPr lang="zh-TW" altLang="en-US" dirty="0">
+              <a:solidFill>
+                <a:srgbClr val="002060"/>
+              </a:solidFill>
+            </a:endParaRPr>
+          </a:p>
+        </p:txBody>
+      </p:sp>
+      <p:pic>
+        <p:nvPicPr>
+          <p:cNvPr id="6" name="圖片 5">
+            <a:extLst>
+              <a:ext uri="{FF2B5EF4-FFF2-40B4-BE49-F238E27FC236}">
+                <a16:creationId xmlns:a16="http://schemas.microsoft.com/office/drawing/2014/main" id="{70EC69EE-D962-4813-987D-0E5467705E26}"/>
+              </a:ext>
+            </a:extLst>
+          </p:cNvPr>
+          <p:cNvPicPr>
+            <a:picLocks noChangeAspect="1"/>
+          </p:cNvPicPr>
+          <p:nvPr/>
+        </p:nvPicPr>
+        <p:blipFill>
+          <a:blip r:embed="rId4"/>
+          <a:stretch>
+            <a:fillRect/>
+          </a:stretch>
+        </p:blipFill>
+        <p:spPr>
+          <a:xfrm>
+            <a:off x="10564743" y="80173"/>
+            <a:ext cx="1348377" cy="1369779"/>
+          </a:xfrm>
+          <a:prstGeom prst="rect">
+            <a:avLst/>
+          </a:prstGeom>
+        </p:spPr>
+      </p:pic>
+      <p:pic>
+        <p:nvPicPr>
+          <p:cNvPr id="7" name="圖片 6">
+            <a:extLst>
+              <a:ext uri="{FF2B5EF4-FFF2-40B4-BE49-F238E27FC236}">
+                <a16:creationId xmlns:a16="http://schemas.microsoft.com/office/drawing/2014/main" id="{20DF47C6-6188-4460-AF08-606A5D879BE3}"/>
+              </a:ext>
+            </a:extLst>
+          </p:cNvPr>
+          <p:cNvPicPr>
+            <a:picLocks noChangeAspect="1"/>
+          </p:cNvPicPr>
+          <p:nvPr/>
+        </p:nvPicPr>
+        <p:blipFill>
+          <a:blip r:embed="rId5"/>
+          <a:stretch>
+            <a:fillRect/>
+          </a:stretch>
+        </p:blipFill>
+        <p:spPr>
+          <a:xfrm>
+            <a:off x="173874" y="2050473"/>
+            <a:ext cx="11858640" cy="4672993"/>
+          </a:xfrm>
+          <a:prstGeom prst="rect">
+            <a:avLst/>
+          </a:prstGeom>
+        </p:spPr>
+      </p:pic>
+    </p:spTree>
+    <p:extLst>
+      <p:ext uri="{BB962C8B-B14F-4D97-AF65-F5344CB8AC3E}">
+        <p14:creationId xmlns:p14="http://schemas.microsoft.com/office/powerpoint/2010/main" val="2243088041"/>
+      </p:ext>
+    </p:extLst>
+  </p:cSld>
+  <p:clrMapOvr>
+    <a:masterClrMapping/>
+  </p:clrMapOvr>
+</p:sld>
+</file>
+
+<file path=ppt/slides/slide19.xml><?xml version="1.0" encoding="utf-8"?>
+<p:sld xmlns:a="http://schemas.openxmlformats.org/drawingml/2006/main" xmlns:r="http://schemas.openxmlformats.org/officeDocument/2006/relationships" xmlns:p="http://schemas.openxmlformats.org/presentationml/2006/main">
+  <p:cSld>
+    <p:spTree>
+      <p:nvGrpSpPr>
+        <p:cNvPr id="1" name=""/>
+        <p:cNvGrpSpPr/>
+        <p:nvPr/>
+      </p:nvGrpSpPr>
+      <p:grpSpPr>
+        <a:xfrm>
+          <a:off x="0" y="0"/>
+          <a:ext cx="0" cy="0"/>
+          <a:chOff x="0" y="0"/>
+          <a:chExt cx="0" cy="0"/>
+        </a:xfrm>
+      </p:grpSpPr>
+      <p:sp>
+        <p:nvSpPr>
+          <p:cNvPr id="2" name="標題 1">
+            <a:extLst>
+              <a:ext uri="{FF2B5EF4-FFF2-40B4-BE49-F238E27FC236}">
+                <a16:creationId xmlns:a16="http://schemas.microsoft.com/office/drawing/2014/main" id="{70B8BAC8-0858-4B4D-8E7A-E0019431B6B4}"/>
+              </a:ext>
+            </a:extLst>
+          </p:cNvPr>
+          <p:cNvSpPr>
+            <a:spLocks noGrp="1"/>
+          </p:cNvSpPr>
+          <p:nvPr>
+            <p:ph type="title"/>
+          </p:nvPr>
+        </p:nvSpPr>
+        <p:spPr/>
+        <p:txBody>
+          <a:bodyPr/>
+          <a:lstStyle/>
+          <a:p>
+            <a:endParaRPr lang="zh-TW" altLang="en-US"/>
+          </a:p>
+        </p:txBody>
+      </p:sp>
+      <p:sp>
+        <p:nvSpPr>
+          <p:cNvPr id="3" name="內容版面配置區 2">
+            <a:extLst>
+              <a:ext uri="{FF2B5EF4-FFF2-40B4-BE49-F238E27FC236}">
+                <a16:creationId xmlns:a16="http://schemas.microsoft.com/office/drawing/2014/main" id="{BC0126AB-A7B3-45D4-9530-633123A8EB03}"/>
+              </a:ext>
+            </a:extLst>
+          </p:cNvPr>
+          <p:cNvSpPr>
+            <a:spLocks noGrp="1"/>
+          </p:cNvSpPr>
+          <p:nvPr>
+            <p:ph idx="1"/>
+          </p:nvPr>
+        </p:nvSpPr>
+        <p:spPr/>
+        <p:txBody>
+          <a:bodyPr/>
+          <a:lstStyle/>
+          <a:p>
+            <a:endParaRPr lang="zh-TW" altLang="en-US" dirty="0"/>
+          </a:p>
+        </p:txBody>
+      </p:sp>
+      <p:sp>
+        <p:nvSpPr>
+          <p:cNvPr id="4" name="矩形 3">
+            <a:extLst>
+              <a:ext uri="{FF2B5EF4-FFF2-40B4-BE49-F238E27FC236}">
+                <a16:creationId xmlns:a16="http://schemas.microsoft.com/office/drawing/2014/main" id="{52904687-9FDD-4EA2-BF4E-D74C6BECFBFB}"/>
+              </a:ext>
+            </a:extLst>
+          </p:cNvPr>
+          <p:cNvSpPr/>
+          <p:nvPr/>
+        </p:nvSpPr>
+        <p:spPr>
+          <a:xfrm>
+            <a:off x="2124110" y="3022752"/>
+            <a:ext cx="7444763" cy="1323439"/>
+          </a:xfrm>
+          <a:prstGeom prst="rect">
+            <a:avLst/>
+          </a:prstGeom>
+          <a:noFill/>
+        </p:spPr>
+        <p:txBody>
+          <a:bodyPr wrap="square" lIns="91440" tIns="45720" rIns="91440" bIns="45720">
+            <a:spAutoFit/>
+            <a:scene3d>
+              <a:camera prst="orthographicFront">
+                <a:rot lat="0" lon="600000" rev="0"/>
+              </a:camera>
+              <a:lightRig rig="threePt" dir="t"/>
+            </a:scene3d>
+          </a:bodyPr>
+          <a:lstStyle/>
+          <a:p>
+            <a:pPr algn="ctr"/>
+            <a:r>
+              <a:rPr lang="en-US" altLang="zh-TW" sz="8000" b="1" dirty="0">
+                <a:ln w="0"/>
+                <a:gradFill>
+                  <a:gsLst>
+                    <a:gs pos="0">
+                      <a:schemeClr val="accent5">
+                        <a:lumMod val="50000"/>
+                      </a:schemeClr>
+                    </a:gs>
+                    <a:gs pos="50000">
+                      <a:schemeClr val="accent5"/>
+                    </a:gs>
+                    <a:gs pos="100000">
+                      <a:schemeClr val="accent5">
+                        <a:lumMod val="60000"/>
+                        <a:lumOff val="40000"/>
+                      </a:schemeClr>
+                    </a:gs>
+                  </a:gsLst>
+                  <a:lin ang="5400000"/>
+                </a:gradFill>
+                <a:effectLst>
+                  <a:reflection blurRad="6350" stA="53000" endA="300" endPos="59000" dir="5400000" sy="-90000" algn="bl" rotWithShape="0"/>
+                </a:effectLst>
+              </a:rPr>
+              <a:t>THANK YOUR</a:t>
+            </a:r>
+            <a:endParaRPr lang="zh-TW" altLang="en-US" sz="8000" b="1" dirty="0">
+              <a:ln w="0"/>
+              <a:gradFill>
+                <a:gsLst>
+                  <a:gs pos="0">
+                    <a:schemeClr val="accent5">
+                      <a:lumMod val="50000"/>
+                    </a:schemeClr>
+                  </a:gs>
+                  <a:gs pos="50000">
+                    <a:schemeClr val="accent5"/>
+                  </a:gs>
+                  <a:gs pos="100000">
+                    <a:schemeClr val="accent5">
+                      <a:lumMod val="60000"/>
+                      <a:lumOff val="40000"/>
+                    </a:schemeClr>
+                  </a:gs>
+                </a:gsLst>
+                <a:lin ang="5400000"/>
+              </a:gradFill>
+              <a:effectLst>
+                <a:reflection blurRad="6350" stA="53000" endA="300" endPos="59000" dir="5400000" sy="-90000" algn="bl" rotWithShape="0"/>
+              </a:effectLst>
+            </a:endParaRPr>
+          </a:p>
+        </p:txBody>
+      </p:sp>
+    </p:spTree>
+    <p:extLst>
+      <p:ext uri="{BB962C8B-B14F-4D97-AF65-F5344CB8AC3E}">
+        <p14:creationId xmlns:p14="http://schemas.microsoft.com/office/powerpoint/2010/main" val="531358049"/>
+      </p:ext>
+    </p:extLst>
+  </p:cSld>
+  <p:clrMapOvr>
+    <a:masterClrMapping/>
+  </p:clrMapOvr>
+</p:sld>
+</file>
+
+<file path=ppt/slides/slide2.xml><?xml version="1.0" encoding="utf-8"?>
+<p:sld xmlns:a="http://schemas.openxmlformats.org/drawingml/2006/main" xmlns:r="http://schemas.openxmlformats.org/officeDocument/2006/relationships" xmlns:p="http://schemas.openxmlformats.org/presentationml/2006/main">
+  <p:cSld>
+    <p:spTree>
+      <p:nvGrpSpPr>
+        <p:cNvPr id="1" name=""/>
+        <p:cNvGrpSpPr/>
+        <p:nvPr/>
+      </p:nvGrpSpPr>
+      <p:grpSpPr>
+        <a:xfrm>
+          <a:off x="0" y="0"/>
+          <a:ext cx="0" cy="0"/>
+          <a:chOff x="0" y="0"/>
+          <a:chExt cx="0" cy="0"/>
+        </a:xfrm>
+      </p:grpSpPr>
+      <p:sp>
+        <p:nvSpPr>
+          <p:cNvPr id="2" name="標題 1">
+            <a:extLst>
+              <a:ext uri="{FF2B5EF4-FFF2-40B4-BE49-F238E27FC236}">
+                <a16:creationId xmlns:a16="http://schemas.microsoft.com/office/drawing/2014/main" id="{CCF4EE74-47DA-7935-EA8B-77411E8308E8}"/>
+              </a:ext>
+            </a:extLst>
+          </p:cNvPr>
+          <p:cNvSpPr>
+            <a:spLocks noGrp="1"/>
+          </p:cNvSpPr>
+          <p:nvPr>
+            <p:ph type="title"/>
+          </p:nvPr>
+        </p:nvSpPr>
+        <p:spPr/>
+        <p:txBody>
+          <a:bodyPr/>
+          <a:lstStyle/>
+          <a:p>
+            <a:r>
+              <a:rPr lang="zh-TW" altLang="en-US" dirty="0">
+                <a:latin typeface="標楷體" panose="03000509000000000000" pitchFamily="65" charset="-120"/>
+                <a:ea typeface="標楷體" panose="03000509000000000000" pitchFamily="65" charset="-120"/>
+              </a:rPr>
+              <a:t>大綱</a:t>
+            </a:r>
+          </a:p>
+        </p:txBody>
+      </p:sp>
+      <p:sp>
+        <p:nvSpPr>
+          <p:cNvPr id="3" name="內容版面配置區 2">
+            <a:extLst>
+              <a:ext uri="{FF2B5EF4-FFF2-40B4-BE49-F238E27FC236}">
+                <a16:creationId xmlns:a16="http://schemas.microsoft.com/office/drawing/2014/main" id="{C66DC3E6-EE77-6808-9F62-3BA90732136E}"/>
+              </a:ext>
+            </a:extLst>
+          </p:cNvPr>
+          <p:cNvSpPr>
+            <a:spLocks noGrp="1"/>
+          </p:cNvSpPr>
+          <p:nvPr>
+            <p:ph idx="1"/>
+          </p:nvPr>
+        </p:nvSpPr>
+        <p:spPr>
+          <a:xfrm>
+            <a:off x="810000" y="2409100"/>
+            <a:ext cx="10554574" cy="3636511"/>
+          </a:xfrm>
+        </p:spPr>
+        <p:txBody>
+          <a:bodyPr>
+            <a:noAutofit/>
+          </a:bodyPr>
+          <a:lstStyle/>
+          <a:p>
+            <a:r>
+              <a:rPr lang="zh-TW" altLang="en-US" sz="2400" dirty="0">
+                <a:latin typeface="標楷體" panose="03000509000000000000" pitchFamily="65" charset="-120"/>
+                <a:ea typeface="標楷體" panose="03000509000000000000" pitchFamily="65" charset="-120"/>
+              </a:rPr>
+              <a:t>專案說明</a:t>
+            </a:r>
+            <a:endParaRPr lang="en-US" altLang="zh-TW" sz="2400" dirty="0">
+              <a:latin typeface="標楷體" panose="03000509000000000000" pitchFamily="65" charset="-120"/>
+              <a:ea typeface="標楷體" panose="03000509000000000000" pitchFamily="65" charset="-120"/>
+            </a:endParaRPr>
+          </a:p>
+          <a:p>
+            <a:r>
+              <a:rPr lang="zh-TW" altLang="en-US" sz="2400" dirty="0">
+                <a:latin typeface="標楷體" panose="03000509000000000000" pitchFamily="65" charset="-120"/>
+                <a:ea typeface="標楷體" panose="03000509000000000000" pitchFamily="65" charset="-120"/>
+              </a:rPr>
+              <a:t>專案時程</a:t>
+            </a:r>
+            <a:endParaRPr lang="en-US" altLang="zh-TW" sz="2400" dirty="0">
+              <a:latin typeface="標楷體" panose="03000509000000000000" pitchFamily="65" charset="-120"/>
+              <a:ea typeface="標楷體" panose="03000509000000000000" pitchFamily="65" charset="-120"/>
+            </a:endParaRPr>
+          </a:p>
+          <a:p>
+            <a:r>
+              <a:rPr lang="zh-TW" altLang="en-US" sz="2400" dirty="0">
+                <a:latin typeface="標楷體" panose="03000509000000000000" pitchFamily="65" charset="-120"/>
+                <a:ea typeface="標楷體" panose="03000509000000000000" pitchFamily="65" charset="-120"/>
+              </a:rPr>
+              <a:t>資料應用流程</a:t>
+            </a:r>
+            <a:endParaRPr lang="en-US" altLang="zh-TW" sz="2400" dirty="0">
+              <a:latin typeface="標楷體" panose="03000509000000000000" pitchFamily="65" charset="-120"/>
+              <a:ea typeface="標楷體" panose="03000509000000000000" pitchFamily="65" charset="-120"/>
+            </a:endParaRPr>
+          </a:p>
+          <a:p>
+            <a:pPr lvl="1">
+              <a:buFont typeface="Wingdings" panose="05000000000000000000" pitchFamily="2" charset="2"/>
+              <a:buChar char="Ø"/>
+            </a:pPr>
+            <a:r>
+              <a:rPr lang="zh-TW" altLang="en-US" sz="2400" dirty="0">
+                <a:latin typeface="標楷體" panose="03000509000000000000" pitchFamily="65" charset="-120"/>
+                <a:ea typeface="標楷體" panose="03000509000000000000" pitchFamily="65" charset="-120"/>
+              </a:rPr>
+              <a:t>蒐集資料</a:t>
+            </a:r>
+            <a:endParaRPr lang="en-US" altLang="zh-TW" sz="2400" dirty="0">
+              <a:latin typeface="標楷體" panose="03000509000000000000" pitchFamily="65" charset="-120"/>
+              <a:ea typeface="標楷體" panose="03000509000000000000" pitchFamily="65" charset="-120"/>
+            </a:endParaRPr>
+          </a:p>
+          <a:p>
+            <a:pPr lvl="1">
+              <a:buFont typeface="Wingdings" panose="05000000000000000000" pitchFamily="2" charset="2"/>
+              <a:buChar char="Ø"/>
+            </a:pPr>
+            <a:r>
+              <a:rPr lang="zh-TW" altLang="en-US" sz="2400" dirty="0">
+                <a:latin typeface="標楷體" panose="03000509000000000000" pitchFamily="65" charset="-120"/>
+                <a:ea typeface="標楷體" panose="03000509000000000000" pitchFamily="65" charset="-120"/>
+              </a:rPr>
+              <a:t>資料預處理</a:t>
+            </a:r>
+            <a:endParaRPr lang="en-US" altLang="zh-TW" sz="2400" dirty="0">
+              <a:latin typeface="標楷體" panose="03000509000000000000" pitchFamily="65" charset="-120"/>
+              <a:ea typeface="標楷體" panose="03000509000000000000" pitchFamily="65" charset="-120"/>
+            </a:endParaRPr>
+          </a:p>
+          <a:p>
+            <a:pPr lvl="1">
+              <a:buFont typeface="Wingdings" panose="05000000000000000000" pitchFamily="2" charset="2"/>
+              <a:buChar char="Ø"/>
+            </a:pPr>
+            <a:r>
+              <a:rPr lang="zh-TW" altLang="en-US" sz="2400" dirty="0">
+                <a:latin typeface="標楷體" panose="03000509000000000000" pitchFamily="65" charset="-120"/>
+                <a:ea typeface="標楷體" panose="03000509000000000000" pitchFamily="65" charset="-120"/>
+              </a:rPr>
+              <a:t>資料分析</a:t>
+            </a:r>
+            <a:endParaRPr lang="en-US" altLang="zh-TW" sz="2400" dirty="0">
+              <a:latin typeface="標楷體" panose="03000509000000000000" pitchFamily="65" charset="-120"/>
+              <a:ea typeface="標楷體" panose="03000509000000000000" pitchFamily="65" charset="-120"/>
+            </a:endParaRPr>
+          </a:p>
+          <a:p>
+            <a:pPr lvl="1">
+              <a:buFont typeface="Wingdings" panose="05000000000000000000" pitchFamily="2" charset="2"/>
+              <a:buChar char="Ø"/>
+            </a:pPr>
+            <a:r>
+              <a:rPr lang="zh-TW" altLang="en-US" sz="2400" dirty="0">
+                <a:latin typeface="標楷體" panose="03000509000000000000" pitchFamily="65" charset="-120"/>
+                <a:ea typeface="標楷體" panose="03000509000000000000" pitchFamily="65" charset="-120"/>
+              </a:rPr>
+              <a:t>資料解釋</a:t>
+            </a:r>
+            <a:endParaRPr lang="en-US" altLang="zh-TW" sz="2400" dirty="0">
+              <a:latin typeface="標楷體" panose="03000509000000000000" pitchFamily="65" charset="-120"/>
+              <a:ea typeface="標楷體" panose="03000509000000000000" pitchFamily="65" charset="-120"/>
+            </a:endParaRPr>
+          </a:p>
+          <a:p>
+            <a:r>
+              <a:rPr lang="zh-TW" altLang="en-US" sz="2400" dirty="0">
+                <a:latin typeface="標楷體" panose="03000509000000000000" pitchFamily="65" charset="-120"/>
+                <a:ea typeface="標楷體" panose="03000509000000000000" pitchFamily="65" charset="-120"/>
+              </a:rPr>
+              <a:t>影片演示</a:t>
+            </a:r>
+          </a:p>
+        </p:txBody>
+      </p:sp>
+    </p:spTree>
+    <p:extLst>
+      <p:ext uri="{BB962C8B-B14F-4D97-AF65-F5344CB8AC3E}">
+        <p14:creationId xmlns:p14="http://schemas.microsoft.com/office/powerpoint/2010/main" val="3759858920"/>
+      </p:ext>
+    </p:extLst>
+  </p:cSld>
+  <p:clrMapOvr>
+    <a:masterClrMapping/>
+  </p:clrMapOvr>
+</p:sld>
+</file>
+
+<file path=ppt/slides/slide20.xml><?xml version="1.0" encoding="utf-8"?>
+<p:sld xmlns:a="http://schemas.openxmlformats.org/drawingml/2006/main" xmlns:r="http://schemas.openxmlformats.org/officeDocument/2006/relationships" xmlns:p="http://schemas.openxmlformats.org/presentationml/2006/main" show="0">
   <p:cSld>
     <p:spTree>
       <p:nvGrpSpPr>
@@ -10535,8 +12084,8 @@
 </p:sld>
 </file>
 
-<file path=ppt/slides/slide18.xml><?xml version="1.0" encoding="utf-8"?>
-<p:sld xmlns:a="http://schemas.openxmlformats.org/drawingml/2006/main" xmlns:r="http://schemas.openxmlformats.org/officeDocument/2006/relationships" xmlns:p="http://schemas.openxmlformats.org/presentationml/2006/main">
+<file path=ppt/slides/slide21.xml><?xml version="1.0" encoding="utf-8"?>
+<p:sld xmlns:a="http://schemas.openxmlformats.org/drawingml/2006/main" xmlns:r="http://schemas.openxmlformats.org/officeDocument/2006/relationships" xmlns:p="http://schemas.openxmlformats.org/presentationml/2006/main" show="0">
   <p:cSld>
     <p:spTree>
       <p:nvGrpSpPr>
@@ -10775,601 +12324,6 @@
 </p:sld>
 </file>
 
-<file path=ppt/slides/slide19.xml><?xml version="1.0" encoding="utf-8"?>
-<p:sld xmlns:a="http://schemas.openxmlformats.org/drawingml/2006/main" xmlns:r="http://schemas.openxmlformats.org/officeDocument/2006/relationships" xmlns:p="http://schemas.openxmlformats.org/presentationml/2006/main">
-  <p:cSld>
-    <p:spTree>
-      <p:nvGrpSpPr>
-        <p:cNvPr id="1" name=""/>
-        <p:cNvGrpSpPr/>
-        <p:nvPr/>
-      </p:nvGrpSpPr>
-      <p:grpSpPr>
-        <a:xfrm>
-          <a:off x="0" y="0"/>
-          <a:ext cx="0" cy="0"/>
-          <a:chOff x="0" y="0"/>
-          <a:chExt cx="0" cy="0"/>
-        </a:xfrm>
-      </p:grpSpPr>
-      <p:sp>
-        <p:nvSpPr>
-          <p:cNvPr id="3" name="內容版面配置區 2">
-            <a:extLst>
-              <a:ext uri="{FF2B5EF4-FFF2-40B4-BE49-F238E27FC236}">
-                <a16:creationId xmlns:a16="http://schemas.microsoft.com/office/drawing/2014/main" id="{BD13D281-5712-5789-6898-9798205D692D}"/>
-              </a:ext>
-            </a:extLst>
-          </p:cNvPr>
-          <p:cNvSpPr>
-            <a:spLocks noGrp="1"/>
-          </p:cNvSpPr>
-          <p:nvPr>
-            <p:ph idx="1"/>
-          </p:nvPr>
-        </p:nvSpPr>
-        <p:spPr/>
-        <p:txBody>
-          <a:bodyPr>
-            <a:normAutofit/>
-          </a:bodyPr>
-          <a:lstStyle/>
-          <a:p>
-            <a:r>
-              <a:rPr lang="zh-TW" altLang="en-US" sz="2000" dirty="0">
-                <a:latin typeface="標楷體" panose="03000509000000000000" pitchFamily="65" charset="-120"/>
-                <a:ea typeface="標楷體" panose="03000509000000000000" pitchFamily="65" charset="-120"/>
-              </a:rPr>
-              <a:t>依地區的資料顯示信用卡消費高度集中在六都</a:t>
-            </a:r>
-            <a:r>
-              <a:rPr lang="en-US" altLang="zh-TW" sz="2000" dirty="0">
-                <a:latin typeface="標楷體" panose="03000509000000000000" pitchFamily="65" charset="-120"/>
-                <a:ea typeface="標楷體" panose="03000509000000000000" pitchFamily="65" charset="-120"/>
-              </a:rPr>
-              <a:t>,</a:t>
-            </a:r>
-            <a:r>
-              <a:rPr lang="zh-TW" altLang="en-US" sz="2000" dirty="0">
-                <a:latin typeface="標楷體" panose="03000509000000000000" pitchFamily="65" charset="-120"/>
-                <a:ea typeface="標楷體" panose="03000509000000000000" pitchFamily="65" charset="-120"/>
-              </a:rPr>
-              <a:t>尤其是台北市，每筆平均金額也是台北市最高，六都中每筆平均金額以新北市最低。</a:t>
-            </a:r>
-            <a:endParaRPr lang="en-US" altLang="zh-TW" sz="2000" dirty="0">
-              <a:latin typeface="標楷體" panose="03000509000000000000" pitchFamily="65" charset="-120"/>
-              <a:ea typeface="標楷體" panose="03000509000000000000" pitchFamily="65" charset="-120"/>
-            </a:endParaRPr>
-          </a:p>
-          <a:p>
-            <a:r>
-              <a:rPr lang="zh-TW" altLang="en-US" sz="2000" dirty="0">
-                <a:latin typeface="標楷體" panose="03000509000000000000" pitchFamily="65" charset="-120"/>
-                <a:ea typeface="標楷體" panose="03000509000000000000" pitchFamily="65" charset="-120"/>
-              </a:rPr>
-              <a:t>依產業別資料顯示信用卡主要以百貨業、食、文教康樂等三大項，每筆平均金額以住最高，食跟行兩項較低。</a:t>
-            </a:r>
-            <a:endParaRPr lang="en-US" altLang="zh-TW" sz="2000" dirty="0">
-              <a:latin typeface="標楷體" panose="03000509000000000000" pitchFamily="65" charset="-120"/>
-              <a:ea typeface="標楷體" panose="03000509000000000000" pitchFamily="65" charset="-120"/>
-            </a:endParaRPr>
-          </a:p>
-          <a:p>
-            <a:r>
-              <a:rPr lang="zh-TW" altLang="en-US" sz="2000" dirty="0">
-                <a:latin typeface="標楷體" panose="03000509000000000000" pitchFamily="65" charset="-120"/>
-                <a:ea typeface="標楷體" panose="03000509000000000000" pitchFamily="65" charset="-120"/>
-              </a:rPr>
-              <a:t>依年齡層資料顯示信用卡消費集中於</a:t>
-            </a:r>
-            <a:r>
-              <a:rPr lang="en-US" altLang="zh-TW" sz="2000" dirty="0">
-                <a:latin typeface="標楷體" panose="03000509000000000000" pitchFamily="65" charset="-120"/>
-                <a:ea typeface="標楷體" panose="03000509000000000000" pitchFamily="65" charset="-120"/>
-              </a:rPr>
-              <a:t>35</a:t>
-            </a:r>
-            <a:r>
-              <a:rPr lang="zh-TW" altLang="en-US" sz="2000" dirty="0">
-                <a:latin typeface="標楷體" panose="03000509000000000000" pitchFamily="65" charset="-120"/>
-                <a:ea typeface="標楷體" panose="03000509000000000000" pitchFamily="65" charset="-120"/>
-              </a:rPr>
-              <a:t>歲至</a:t>
-            </a:r>
-            <a:r>
-              <a:rPr lang="en-US" altLang="zh-TW" sz="2000" dirty="0">
-                <a:latin typeface="標楷體" panose="03000509000000000000" pitchFamily="65" charset="-120"/>
-                <a:ea typeface="標楷體" panose="03000509000000000000" pitchFamily="65" charset="-120"/>
-              </a:rPr>
-              <a:t>55</a:t>
-            </a:r>
-            <a:r>
-              <a:rPr lang="zh-TW" altLang="en-US" sz="2000" dirty="0">
-                <a:latin typeface="標楷體" panose="03000509000000000000" pitchFamily="65" charset="-120"/>
-                <a:ea typeface="標楷體" panose="03000509000000000000" pitchFamily="65" charset="-120"/>
-              </a:rPr>
-              <a:t>歲之間，每筆平均金額跟年齡成正比。</a:t>
-            </a:r>
-          </a:p>
-        </p:txBody>
-      </p:sp>
-      <p:sp>
-        <p:nvSpPr>
-          <p:cNvPr id="5" name="標題 4">
-            <a:extLst>
-              <a:ext uri="{FF2B5EF4-FFF2-40B4-BE49-F238E27FC236}">
-                <a16:creationId xmlns:a16="http://schemas.microsoft.com/office/drawing/2014/main" id="{F3026DA0-D160-67EB-CE40-F1CA519ED24D}"/>
-              </a:ext>
-            </a:extLst>
-          </p:cNvPr>
-          <p:cNvSpPr>
-            <a:spLocks noGrp="1"/>
-          </p:cNvSpPr>
-          <p:nvPr>
-            <p:ph type="title"/>
-          </p:nvPr>
-        </p:nvSpPr>
-        <p:spPr/>
-        <p:txBody>
-          <a:bodyPr/>
-          <a:lstStyle/>
-          <a:p>
-            <a:pPr lvl="0"/>
-            <a:r>
-              <a:rPr lang="zh-TW" altLang="en-US" dirty="0">
-                <a:latin typeface="標楷體" panose="03000509000000000000" pitchFamily="65" charset="-120"/>
-                <a:ea typeface="標楷體" panose="03000509000000000000" pitchFamily="65" charset="-120"/>
-              </a:rPr>
-              <a:t>資料應用流程</a:t>
-            </a:r>
-            <a:r>
-              <a:rPr lang="en-US" altLang="zh-TW" dirty="0">
-                <a:latin typeface="標楷體" panose="03000509000000000000" pitchFamily="65" charset="-120"/>
-                <a:ea typeface="標楷體" panose="03000509000000000000" pitchFamily="65" charset="-120"/>
-              </a:rPr>
-              <a:t>--</a:t>
-            </a:r>
-            <a:r>
-              <a:rPr lang="zh-TW" altLang="en-US" dirty="0">
-                <a:latin typeface="標楷體" panose="03000509000000000000" pitchFamily="65" charset="-120"/>
-                <a:ea typeface="標楷體" panose="03000509000000000000" pitchFamily="65" charset="-120"/>
-              </a:rPr>
-              <a:t>資料解釋</a:t>
-            </a:r>
-          </a:p>
-        </p:txBody>
-      </p:sp>
-    </p:spTree>
-    <p:extLst>
-      <p:ext uri="{BB962C8B-B14F-4D97-AF65-F5344CB8AC3E}">
-        <p14:creationId xmlns:p14="http://schemas.microsoft.com/office/powerpoint/2010/main" val="1781606620"/>
-      </p:ext>
-    </p:extLst>
-  </p:cSld>
-  <p:clrMapOvr>
-    <a:masterClrMapping/>
-  </p:clrMapOvr>
-</p:sld>
-</file>
-
-<file path=ppt/slides/slide2.xml><?xml version="1.0" encoding="utf-8"?>
-<p:sld xmlns:a="http://schemas.openxmlformats.org/drawingml/2006/main" xmlns:r="http://schemas.openxmlformats.org/officeDocument/2006/relationships" xmlns:p="http://schemas.openxmlformats.org/presentationml/2006/main">
-  <p:cSld>
-    <p:spTree>
-      <p:nvGrpSpPr>
-        <p:cNvPr id="1" name=""/>
-        <p:cNvGrpSpPr/>
-        <p:nvPr/>
-      </p:nvGrpSpPr>
-      <p:grpSpPr>
-        <a:xfrm>
-          <a:off x="0" y="0"/>
-          <a:ext cx="0" cy="0"/>
-          <a:chOff x="0" y="0"/>
-          <a:chExt cx="0" cy="0"/>
-        </a:xfrm>
-      </p:grpSpPr>
-      <p:sp>
-        <p:nvSpPr>
-          <p:cNvPr id="2" name="標題 1">
-            <a:extLst>
-              <a:ext uri="{FF2B5EF4-FFF2-40B4-BE49-F238E27FC236}">
-                <a16:creationId xmlns:a16="http://schemas.microsoft.com/office/drawing/2014/main" id="{CCF4EE74-47DA-7935-EA8B-77411E8308E8}"/>
-              </a:ext>
-            </a:extLst>
-          </p:cNvPr>
-          <p:cNvSpPr>
-            <a:spLocks noGrp="1"/>
-          </p:cNvSpPr>
-          <p:nvPr>
-            <p:ph type="title"/>
-          </p:nvPr>
-        </p:nvSpPr>
-        <p:spPr/>
-        <p:txBody>
-          <a:bodyPr/>
-          <a:lstStyle/>
-          <a:p>
-            <a:r>
-              <a:rPr lang="zh-TW" altLang="en-US" dirty="0">
-                <a:latin typeface="標楷體" panose="03000509000000000000" pitchFamily="65" charset="-120"/>
-                <a:ea typeface="標楷體" panose="03000509000000000000" pitchFamily="65" charset="-120"/>
-              </a:rPr>
-              <a:t>大綱</a:t>
-            </a:r>
-          </a:p>
-        </p:txBody>
-      </p:sp>
-      <p:sp>
-        <p:nvSpPr>
-          <p:cNvPr id="3" name="內容版面配置區 2">
-            <a:extLst>
-              <a:ext uri="{FF2B5EF4-FFF2-40B4-BE49-F238E27FC236}">
-                <a16:creationId xmlns:a16="http://schemas.microsoft.com/office/drawing/2014/main" id="{C66DC3E6-EE77-6808-9F62-3BA90732136E}"/>
-              </a:ext>
-            </a:extLst>
-          </p:cNvPr>
-          <p:cNvSpPr>
-            <a:spLocks noGrp="1"/>
-          </p:cNvSpPr>
-          <p:nvPr>
-            <p:ph idx="1"/>
-          </p:nvPr>
-        </p:nvSpPr>
-        <p:spPr>
-          <a:xfrm>
-            <a:off x="810000" y="2409100"/>
-            <a:ext cx="10554574" cy="3636511"/>
-          </a:xfrm>
-        </p:spPr>
-        <p:txBody>
-          <a:bodyPr>
-            <a:noAutofit/>
-          </a:bodyPr>
-          <a:lstStyle/>
-          <a:p>
-            <a:r>
-              <a:rPr lang="zh-TW" altLang="en-US" sz="2400" dirty="0">
-                <a:latin typeface="標楷體" panose="03000509000000000000" pitchFamily="65" charset="-120"/>
-                <a:ea typeface="標楷體" panose="03000509000000000000" pitchFamily="65" charset="-120"/>
-              </a:rPr>
-              <a:t>專案說明</a:t>
-            </a:r>
-            <a:endParaRPr lang="en-US" altLang="zh-TW" sz="2400" dirty="0">
-              <a:latin typeface="標楷體" panose="03000509000000000000" pitchFamily="65" charset="-120"/>
-              <a:ea typeface="標楷體" panose="03000509000000000000" pitchFamily="65" charset="-120"/>
-            </a:endParaRPr>
-          </a:p>
-          <a:p>
-            <a:r>
-              <a:rPr lang="zh-TW" altLang="en-US" sz="2400" dirty="0">
-                <a:latin typeface="標楷體" panose="03000509000000000000" pitchFamily="65" charset="-120"/>
-                <a:ea typeface="標楷體" panose="03000509000000000000" pitchFamily="65" charset="-120"/>
-              </a:rPr>
-              <a:t>專案時程</a:t>
-            </a:r>
-            <a:endParaRPr lang="en-US" altLang="zh-TW" sz="2400" dirty="0">
-              <a:latin typeface="標楷體" panose="03000509000000000000" pitchFamily="65" charset="-120"/>
-              <a:ea typeface="標楷體" panose="03000509000000000000" pitchFamily="65" charset="-120"/>
-            </a:endParaRPr>
-          </a:p>
-          <a:p>
-            <a:r>
-              <a:rPr lang="zh-TW" altLang="en-US" sz="2400" dirty="0">
-                <a:latin typeface="標楷體" panose="03000509000000000000" pitchFamily="65" charset="-120"/>
-                <a:ea typeface="標楷體" panose="03000509000000000000" pitchFamily="65" charset="-120"/>
-              </a:rPr>
-              <a:t>資料應用流程</a:t>
-            </a:r>
-            <a:endParaRPr lang="en-US" altLang="zh-TW" sz="2400" dirty="0">
-              <a:latin typeface="標楷體" panose="03000509000000000000" pitchFamily="65" charset="-120"/>
-              <a:ea typeface="標楷體" panose="03000509000000000000" pitchFamily="65" charset="-120"/>
-            </a:endParaRPr>
-          </a:p>
-          <a:p>
-            <a:pPr lvl="1">
-              <a:buFont typeface="Wingdings" panose="05000000000000000000" pitchFamily="2" charset="2"/>
-              <a:buChar char="Ø"/>
-            </a:pPr>
-            <a:r>
-              <a:rPr lang="zh-TW" altLang="en-US" sz="2400" dirty="0">
-                <a:latin typeface="標楷體" panose="03000509000000000000" pitchFamily="65" charset="-120"/>
-                <a:ea typeface="標楷體" panose="03000509000000000000" pitchFamily="65" charset="-120"/>
-              </a:rPr>
-              <a:t>蒐集資料</a:t>
-            </a:r>
-            <a:endParaRPr lang="en-US" altLang="zh-TW" sz="2400" dirty="0">
-              <a:latin typeface="標楷體" panose="03000509000000000000" pitchFamily="65" charset="-120"/>
-              <a:ea typeface="標楷體" panose="03000509000000000000" pitchFamily="65" charset="-120"/>
-            </a:endParaRPr>
-          </a:p>
-          <a:p>
-            <a:pPr lvl="1">
-              <a:buFont typeface="Wingdings" panose="05000000000000000000" pitchFamily="2" charset="2"/>
-              <a:buChar char="Ø"/>
-            </a:pPr>
-            <a:r>
-              <a:rPr lang="zh-TW" altLang="en-US" sz="2400" dirty="0">
-                <a:latin typeface="標楷體" panose="03000509000000000000" pitchFamily="65" charset="-120"/>
-                <a:ea typeface="標楷體" panose="03000509000000000000" pitchFamily="65" charset="-120"/>
-              </a:rPr>
-              <a:t>資料預處理</a:t>
-            </a:r>
-            <a:endParaRPr lang="en-US" altLang="zh-TW" sz="2400" dirty="0">
-              <a:latin typeface="標楷體" panose="03000509000000000000" pitchFamily="65" charset="-120"/>
-              <a:ea typeface="標楷體" panose="03000509000000000000" pitchFamily="65" charset="-120"/>
-            </a:endParaRPr>
-          </a:p>
-          <a:p>
-            <a:pPr lvl="1">
-              <a:buFont typeface="Wingdings" panose="05000000000000000000" pitchFamily="2" charset="2"/>
-              <a:buChar char="Ø"/>
-            </a:pPr>
-            <a:r>
-              <a:rPr lang="zh-TW" altLang="en-US" sz="2400" dirty="0">
-                <a:latin typeface="標楷體" panose="03000509000000000000" pitchFamily="65" charset="-120"/>
-                <a:ea typeface="標楷體" panose="03000509000000000000" pitchFamily="65" charset="-120"/>
-              </a:rPr>
-              <a:t>資料分析</a:t>
-            </a:r>
-            <a:endParaRPr lang="en-US" altLang="zh-TW" sz="2400" dirty="0">
-              <a:latin typeface="標楷體" panose="03000509000000000000" pitchFamily="65" charset="-120"/>
-              <a:ea typeface="標楷體" panose="03000509000000000000" pitchFamily="65" charset="-120"/>
-            </a:endParaRPr>
-          </a:p>
-          <a:p>
-            <a:pPr lvl="1">
-              <a:buFont typeface="Wingdings" panose="05000000000000000000" pitchFamily="2" charset="2"/>
-              <a:buChar char="Ø"/>
-            </a:pPr>
-            <a:r>
-              <a:rPr lang="zh-TW" altLang="en-US" sz="2400" dirty="0">
-                <a:latin typeface="標楷體" panose="03000509000000000000" pitchFamily="65" charset="-120"/>
-                <a:ea typeface="標楷體" panose="03000509000000000000" pitchFamily="65" charset="-120"/>
-              </a:rPr>
-              <a:t>資料解釋</a:t>
-            </a:r>
-            <a:endParaRPr lang="en-US" altLang="zh-TW" sz="2400" dirty="0">
-              <a:latin typeface="標楷體" panose="03000509000000000000" pitchFamily="65" charset="-120"/>
-              <a:ea typeface="標楷體" panose="03000509000000000000" pitchFamily="65" charset="-120"/>
-            </a:endParaRPr>
-          </a:p>
-          <a:p>
-            <a:r>
-              <a:rPr lang="zh-TW" altLang="en-US" sz="2400" dirty="0">
-                <a:latin typeface="標楷體" panose="03000509000000000000" pitchFamily="65" charset="-120"/>
-                <a:ea typeface="標楷體" panose="03000509000000000000" pitchFamily="65" charset="-120"/>
-              </a:rPr>
-              <a:t>影片演示</a:t>
-            </a:r>
-          </a:p>
-        </p:txBody>
-      </p:sp>
-    </p:spTree>
-    <p:extLst>
-      <p:ext uri="{BB962C8B-B14F-4D97-AF65-F5344CB8AC3E}">
-        <p14:creationId xmlns:p14="http://schemas.microsoft.com/office/powerpoint/2010/main" val="3759858920"/>
-      </p:ext>
-    </p:extLst>
-  </p:cSld>
-  <p:clrMapOvr>
-    <a:masterClrMapping/>
-  </p:clrMapOvr>
-</p:sld>
-</file>
-
-<file path=ppt/slides/slide20.xml><?xml version="1.0" encoding="utf-8"?>
-<p:sld xmlns:a="http://schemas.openxmlformats.org/drawingml/2006/main" xmlns:r="http://schemas.openxmlformats.org/officeDocument/2006/relationships" xmlns:p="http://schemas.openxmlformats.org/presentationml/2006/main">
-  <p:cSld>
-    <p:spTree>
-      <p:nvGrpSpPr>
-        <p:cNvPr id="1" name=""/>
-        <p:cNvGrpSpPr/>
-        <p:nvPr/>
-      </p:nvGrpSpPr>
-      <p:grpSpPr>
-        <a:xfrm>
-          <a:off x="0" y="0"/>
-          <a:ext cx="0" cy="0"/>
-          <a:chOff x="0" y="0"/>
-          <a:chExt cx="0" cy="0"/>
-        </a:xfrm>
-      </p:grpSpPr>
-      <p:sp>
-        <p:nvSpPr>
-          <p:cNvPr id="2" name="標題 1">
-            <a:extLst>
-              <a:ext uri="{FF2B5EF4-FFF2-40B4-BE49-F238E27FC236}">
-                <a16:creationId xmlns:a16="http://schemas.microsoft.com/office/drawing/2014/main" id="{CAD0D855-49F0-173D-1E08-5332B5F3D643}"/>
-              </a:ext>
-            </a:extLst>
-          </p:cNvPr>
-          <p:cNvSpPr>
-            <a:spLocks noGrp="1"/>
-          </p:cNvSpPr>
-          <p:nvPr>
-            <p:ph type="title"/>
-          </p:nvPr>
-        </p:nvSpPr>
-        <p:spPr>
-          <a:xfrm>
-            <a:off x="575108" y="134534"/>
-            <a:ext cx="10571998" cy="850042"/>
-          </a:xfrm>
-        </p:spPr>
-        <p:txBody>
-          <a:bodyPr/>
-          <a:lstStyle/>
-          <a:p>
-            <a:r>
-              <a:rPr lang="zh-TW" altLang="en-US" sz="4000" dirty="0">
-                <a:latin typeface="標楷體" panose="03000509000000000000" pitchFamily="65" charset="-120"/>
-                <a:ea typeface="標楷體" panose="03000509000000000000" pitchFamily="65" charset="-120"/>
-              </a:rPr>
-              <a:t>影片演示</a:t>
-            </a:r>
-          </a:p>
-        </p:txBody>
-      </p:sp>
-      <p:sp>
-        <p:nvSpPr>
-          <p:cNvPr id="3" name="內容版面配置區 2">
-            <a:extLst>
-              <a:ext uri="{FF2B5EF4-FFF2-40B4-BE49-F238E27FC236}">
-                <a16:creationId xmlns:a16="http://schemas.microsoft.com/office/drawing/2014/main" id="{8F21482F-B888-A2CB-FB25-AB3661ED4EDB}"/>
-              </a:ext>
-            </a:extLst>
-          </p:cNvPr>
-          <p:cNvSpPr>
-            <a:spLocks noGrp="1"/>
-          </p:cNvSpPr>
-          <p:nvPr>
-            <p:ph idx="1"/>
-          </p:nvPr>
-        </p:nvSpPr>
-        <p:spPr/>
-        <p:txBody>
-          <a:bodyPr/>
-          <a:lstStyle/>
-          <a:p>
-            <a:endParaRPr lang="zh-TW" altLang="en-US" dirty="0"/>
-          </a:p>
-        </p:txBody>
-      </p:sp>
-      <p:pic>
-        <p:nvPicPr>
-          <p:cNvPr id="9" name="圖片 8">
-            <a:extLst>
-              <a:ext uri="{FF2B5EF4-FFF2-40B4-BE49-F238E27FC236}">
-                <a16:creationId xmlns:a16="http://schemas.microsoft.com/office/drawing/2014/main" id="{B5CDE9E2-68B3-4F81-84A3-5A0044E73B8A}"/>
-              </a:ext>
-            </a:extLst>
-          </p:cNvPr>
-          <p:cNvPicPr>
-            <a:picLocks noChangeAspect="1"/>
-          </p:cNvPicPr>
-          <p:nvPr/>
-        </p:nvPicPr>
-        <p:blipFill>
-          <a:blip r:embed="rId2"/>
-          <a:stretch>
-            <a:fillRect/>
-          </a:stretch>
-        </p:blipFill>
-        <p:spPr>
-          <a:xfrm>
-            <a:off x="-69742" y="1063039"/>
-            <a:ext cx="12263311" cy="5786416"/>
-          </a:xfrm>
-          <a:prstGeom prst="rect">
-            <a:avLst/>
-          </a:prstGeom>
-        </p:spPr>
-      </p:pic>
-      <p:sp>
-        <p:nvSpPr>
-          <p:cNvPr id="10" name="文字方塊 9">
-            <a:extLst>
-              <a:ext uri="{FF2B5EF4-FFF2-40B4-BE49-F238E27FC236}">
-                <a16:creationId xmlns:a16="http://schemas.microsoft.com/office/drawing/2014/main" id="{311E31AD-2CEB-4A71-9FCB-72B125CC993B}"/>
-              </a:ext>
-            </a:extLst>
-          </p:cNvPr>
-          <p:cNvSpPr txBox="1"/>
-          <p:nvPr/>
-        </p:nvSpPr>
-        <p:spPr>
-          <a:xfrm>
-            <a:off x="-69742" y="6446467"/>
-            <a:ext cx="1957265" cy="276999"/>
-          </a:xfrm>
-          <a:prstGeom prst="rect">
-            <a:avLst/>
-          </a:prstGeom>
-          <a:noFill/>
-        </p:spPr>
-        <p:txBody>
-          <a:bodyPr wrap="square" rtlCol="0">
-            <a:spAutoFit/>
-          </a:bodyPr>
-          <a:lstStyle/>
-          <a:p>
-            <a:r>
-              <a:rPr lang="en-US" altLang="zh-TW" sz="1200" dirty="0">
-                <a:solidFill>
-                  <a:schemeClr val="bg1">
-                    <a:lumMod val="75000"/>
-                    <a:lumOff val="25000"/>
-                  </a:schemeClr>
-                </a:solidFill>
-                <a:latin typeface="標楷體" panose="03000509000000000000" pitchFamily="65" charset="-120"/>
-                <a:ea typeface="標楷體" panose="03000509000000000000" pitchFamily="65" charset="-120"/>
-                <a:hlinkClick r:id="rId3">
-                  <a:extLst>
-                    <a:ext uri="{A12FA001-AC4F-418D-AE19-62706E023703}">
-                      <ahyp:hlinkClr xmlns:ahyp="http://schemas.microsoft.com/office/drawing/2018/hyperlinkcolor" val="tx"/>
-                    </a:ext>
-                  </a:extLst>
-                </a:hlinkClick>
-              </a:rPr>
-              <a:t>https://reurl.cc/RyKGZz</a:t>
-            </a:r>
-            <a:endParaRPr lang="zh-TW" altLang="en-US" sz="1200" dirty="0">
-              <a:solidFill>
-                <a:schemeClr val="bg1">
-                  <a:lumMod val="75000"/>
-                  <a:lumOff val="25000"/>
-                </a:schemeClr>
-              </a:solidFill>
-              <a:latin typeface="標楷體" panose="03000509000000000000" pitchFamily="65" charset="-120"/>
-              <a:ea typeface="標楷體" panose="03000509000000000000" pitchFamily="65" charset="-120"/>
-            </a:endParaRPr>
-          </a:p>
-        </p:txBody>
-      </p:sp>
-      <p:pic>
-        <p:nvPicPr>
-          <p:cNvPr id="11" name="圖片 10">
-            <a:extLst>
-              <a:ext uri="{FF2B5EF4-FFF2-40B4-BE49-F238E27FC236}">
-                <a16:creationId xmlns:a16="http://schemas.microsoft.com/office/drawing/2014/main" id="{BA4C46F5-67B9-4E24-8C14-B00F3AD50ABE}"/>
-              </a:ext>
-            </a:extLst>
-          </p:cNvPr>
-          <p:cNvPicPr>
-            <a:picLocks noChangeAspect="1"/>
-          </p:cNvPicPr>
-          <p:nvPr/>
-        </p:nvPicPr>
-        <p:blipFill>
-          <a:blip r:embed="rId4"/>
-          <a:stretch>
-            <a:fillRect/>
-          </a:stretch>
-        </p:blipFill>
-        <p:spPr>
-          <a:xfrm>
-            <a:off x="45478" y="4842136"/>
-            <a:ext cx="1546468" cy="1565100"/>
-          </a:xfrm>
-          <a:prstGeom prst="rect">
-            <a:avLst/>
-          </a:prstGeom>
-        </p:spPr>
-      </p:pic>
-    </p:spTree>
-    <p:extLst>
-      <p:ext uri="{BB962C8B-B14F-4D97-AF65-F5344CB8AC3E}">
-        <p14:creationId xmlns:p14="http://schemas.microsoft.com/office/powerpoint/2010/main" val="2243088041"/>
-      </p:ext>
-    </p:extLst>
-  </p:cSld>
-  <p:clrMapOvr>
-    <a:masterClrMapping/>
-  </p:clrMapOvr>
-</p:sld>
-</file>
-
 <file path=ppt/slides/slide3.xml><?xml version="1.0" encoding="utf-8"?>
 <p:sld xmlns:a="http://schemas.openxmlformats.org/drawingml/2006/main" xmlns:r="http://schemas.openxmlformats.org/officeDocument/2006/relationships" xmlns:p="http://schemas.openxmlformats.org/presentationml/2006/main">
   <p:cSld>
@@ -11515,7 +12469,49 @@
                 <a:latin typeface="標楷體" panose="03000509000000000000" pitchFamily="65" charset="-120"/>
                 <a:ea typeface="標楷體" panose="03000509000000000000" pitchFamily="65" charset="-120"/>
               </a:rPr>
-              <a:t>促使其提供之牛肉能更貼近國人使用信用卡消費之需求。</a:t>
+              <a:t>促使其提供之牛肉能更貼近國人使用信用卡消費之需求</a:t>
+            </a:r>
+            <a:r>
+              <a:rPr lang="en-US" altLang="zh-TW" sz="2000" dirty="0">
+                <a:latin typeface="標楷體" panose="03000509000000000000" pitchFamily="65" charset="-120"/>
+                <a:ea typeface="標楷體" panose="03000509000000000000" pitchFamily="65" charset="-120"/>
+              </a:rPr>
+              <a:t>,</a:t>
+            </a:r>
+            <a:r>
+              <a:rPr lang="zh-TW" altLang="en-US" sz="2000" dirty="0">
+                <a:latin typeface="標楷體" panose="03000509000000000000" pitchFamily="65" charset="-120"/>
+                <a:ea typeface="標楷體" panose="03000509000000000000" pitchFamily="65" charset="-120"/>
+              </a:rPr>
+              <a:t>並預估今年</a:t>
+            </a:r>
+            <a:r>
+              <a:rPr lang="en-US" altLang="zh-TW" sz="2000" dirty="0">
+                <a:latin typeface="標楷體" panose="03000509000000000000" pitchFamily="65" charset="-120"/>
+                <a:ea typeface="標楷體" panose="03000509000000000000" pitchFamily="65" charset="-120"/>
+              </a:rPr>
+              <a:t>10</a:t>
+            </a:r>
+            <a:r>
+              <a:rPr lang="zh-TW" altLang="en-US" sz="2000" dirty="0">
+                <a:latin typeface="標楷體" panose="03000509000000000000" pitchFamily="65" charset="-120"/>
+                <a:ea typeface="標楷體" panose="03000509000000000000" pitchFamily="65" charset="-120"/>
+              </a:rPr>
+              <a:t>月</a:t>
+            </a:r>
+            <a:r>
+              <a:rPr lang="en-US" altLang="zh-TW" sz="2000" dirty="0">
+                <a:latin typeface="標楷體" panose="03000509000000000000" pitchFamily="65" charset="-120"/>
+                <a:ea typeface="標楷體" panose="03000509000000000000" pitchFamily="65" charset="-120"/>
+              </a:rPr>
+              <a:t>~12</a:t>
+            </a:r>
+            <a:r>
+              <a:rPr lang="zh-TW" altLang="en-US" sz="2000" dirty="0">
+                <a:latin typeface="標楷體" panose="03000509000000000000" pitchFamily="65" charset="-120"/>
+                <a:ea typeface="標楷體" panose="03000509000000000000" pitchFamily="65" charset="-120"/>
+              </a:rPr>
+              <a:t>月之信用卡消費金額。</a:t>
             </a:r>
             <a:endParaRPr lang="en-US" altLang="zh-TW" sz="2000" dirty="0">
               <a:latin typeface="標楷體" panose="03000509000000000000" pitchFamily="65" charset="-120"/>
@@ -13324,19 +14320,6 @@
             </a:endParaRPr>
           </a:p>
           <a:p>
-            <a:r>
-              <a:rPr lang="zh-TW" altLang="en-US" dirty="0">
-                <a:latin typeface="標楷體" panose="03000509000000000000" pitchFamily="65" charset="-120"/>
-                <a:ea typeface="標楷體" panose="03000509000000000000" pitchFamily="65" charset="-120"/>
-              </a:rPr>
-              <a:t>影片錄製</a:t>
-            </a:r>
-            <a:endParaRPr lang="en-US" altLang="zh-TW" dirty="0">
-              <a:latin typeface="標楷體" panose="03000509000000000000" pitchFamily="65" charset="-120"/>
-              <a:ea typeface="標楷體" panose="03000509000000000000" pitchFamily="65" charset="-120"/>
-            </a:endParaRPr>
-          </a:p>
-          <a:p>
             <a:endParaRPr lang="en-US" dirty="0">
               <a:latin typeface="標楷體" panose="03000509000000000000" pitchFamily="65" charset="-120"/>
               <a:ea typeface="標楷體" panose="03000509000000000000" pitchFamily="65" charset="-120"/>
@@ -13566,7 +14549,20 @@
                 <a:latin typeface="標楷體" panose="03000509000000000000" pitchFamily="65" charset="-120"/>
                 <a:ea typeface="標楷體" panose="03000509000000000000" pitchFamily="65" charset="-120"/>
               </a:rPr>
-              <a:t>後製工作</a:t>
+              <a:t>影片錄製</a:t>
+            </a:r>
+            <a:endParaRPr lang="en-US" altLang="zh-TW" dirty="0">
+              <a:latin typeface="標楷體" panose="03000509000000000000" pitchFamily="65" charset="-120"/>
+              <a:ea typeface="標楷體" panose="03000509000000000000" pitchFamily="65" charset="-120"/>
+            </a:endParaRPr>
+          </a:p>
+          <a:p>
+            <a:r>
+              <a:rPr lang="zh-TW" altLang="en-US" dirty="0">
+                <a:latin typeface="標楷體" panose="03000509000000000000" pitchFamily="65" charset="-120"/>
+                <a:ea typeface="標楷體" panose="03000509000000000000" pitchFamily="65" charset="-120"/>
+              </a:rPr>
+              <a:t>簡報準備</a:t>
             </a:r>
             <a:endParaRPr lang="en-US" altLang="zh-TW" dirty="0">
               <a:latin typeface="標楷體" panose="03000509000000000000" pitchFamily="65" charset="-120"/>
@@ -13871,7 +14867,7 @@
         <p:spPr>
           <a:xfrm>
             <a:off x="3669527" y="4926333"/>
-            <a:ext cx="1661598" cy="1754326"/>
+            <a:ext cx="1661598" cy="1477328"/>
           </a:xfrm>
           <a:prstGeom prst="rect">
             <a:avLst/>
@@ -13917,7 +14913,67 @@
                 <a:latin typeface="標楷體" panose="03000509000000000000" pitchFamily="65" charset="-120"/>
                 <a:ea typeface="標楷體" panose="03000509000000000000" pitchFamily="65" charset="-120"/>
               </a:rPr>
-              <a:t>檢視資料是否有缺失值、異常值及重覆值並處理</a:t>
+              <a:t>檢視資料之</a:t>
+            </a:r>
+            <a:r>
+              <a:rPr lang="zh-TW" altLang="en-US" u="sng" dirty="0">
+                <a:solidFill>
+                  <a:schemeClr val="tx1">
+                    <a:lumMod val="85000"/>
+                  </a:schemeClr>
+                </a:solidFill>
+                <a:latin typeface="標楷體" panose="03000509000000000000" pitchFamily="65" charset="-120"/>
+                <a:ea typeface="標楷體" panose="03000509000000000000" pitchFamily="65" charset="-120"/>
+              </a:rPr>
+              <a:t>缺失值</a:t>
+            </a:r>
+            <a:r>
+              <a:rPr lang="zh-TW" altLang="en-US" dirty="0">
+                <a:solidFill>
+                  <a:schemeClr val="tx1">
+                    <a:lumMod val="85000"/>
+                  </a:schemeClr>
+                </a:solidFill>
+                <a:latin typeface="標楷體" panose="03000509000000000000" pitchFamily="65" charset="-120"/>
+                <a:ea typeface="標楷體" panose="03000509000000000000" pitchFamily="65" charset="-120"/>
+              </a:rPr>
+              <a:t>、</a:t>
+            </a:r>
+            <a:r>
+              <a:rPr lang="zh-TW" altLang="en-US" u="sng" dirty="0">
+                <a:solidFill>
+                  <a:schemeClr val="tx1">
+                    <a:lumMod val="85000"/>
+                  </a:schemeClr>
+                </a:solidFill>
+                <a:latin typeface="標楷體" panose="03000509000000000000" pitchFamily="65" charset="-120"/>
+                <a:ea typeface="標楷體" panose="03000509000000000000" pitchFamily="65" charset="-120"/>
+              </a:rPr>
+              <a:t>異常值</a:t>
+            </a:r>
+            <a:r>
+              <a:rPr lang="zh-TW" altLang="en-US" dirty="0">
+                <a:solidFill>
+                  <a:schemeClr val="tx1">
+                    <a:lumMod val="85000"/>
+                  </a:schemeClr>
+                </a:solidFill>
+                <a:latin typeface="標楷體" panose="03000509000000000000" pitchFamily="65" charset="-120"/>
+                <a:ea typeface="標楷體" panose="03000509000000000000" pitchFamily="65" charset="-120"/>
+              </a:rPr>
+              <a:t>及</a:t>
+            </a:r>
+            <a:r>
+              <a:rPr lang="zh-TW" altLang="en-US" u="sng" dirty="0">
+                <a:solidFill>
+                  <a:schemeClr val="tx1">
+                    <a:lumMod val="85000"/>
+                  </a:schemeClr>
+                </a:solidFill>
+                <a:latin typeface="標楷體" panose="03000509000000000000" pitchFamily="65" charset="-120"/>
+                <a:ea typeface="標楷體" panose="03000509000000000000" pitchFamily="65" charset="-120"/>
+              </a:rPr>
+              <a:t>重覆值</a:t>
             </a:r>
             <a:endParaRPr lang="en-US" altLang="zh-TW" dirty="0">
               <a:solidFill>
@@ -13979,7 +15035,7 @@
                 <a:latin typeface="標楷體" panose="03000509000000000000" pitchFamily="65" charset="-120"/>
                 <a:ea typeface="標楷體" panose="03000509000000000000" pitchFamily="65" charset="-120"/>
               </a:rPr>
-              <a:t>使用統計學和視覺化工具來瞭解</a:t>
+              <a:t>使用統計方法和視覺化工具來瞭解</a:t>
             </a:r>
             <a:r>
               <a:rPr lang="zh-TW" altLang="en-US" b="0" i="0" dirty="0">
@@ -14792,7 +15848,7 @@
         </p:blipFill>
         <p:spPr>
           <a:xfrm>
-            <a:off x="150212" y="2269814"/>
+            <a:off x="226045" y="2269814"/>
             <a:ext cx="6208767" cy="3799304"/>
           </a:xfrm>
           <a:prstGeom prst="rect">
@@ -14840,6 +15896,142 @@
           </a:p>
         </p:txBody>
       </p:sp>
+      <p:sp>
+        <p:nvSpPr>
+          <p:cNvPr id="7" name="橢圓 6">
+            <a:extLst>
+              <a:ext uri="{FF2B5EF4-FFF2-40B4-BE49-F238E27FC236}">
+                <a16:creationId xmlns:a16="http://schemas.microsoft.com/office/drawing/2014/main" id="{21F22B7F-D52F-41DC-B5D5-1FCDA19DF464}"/>
+              </a:ext>
+            </a:extLst>
+          </p:cNvPr>
+          <p:cNvSpPr/>
+          <p:nvPr/>
+        </p:nvSpPr>
+        <p:spPr>
+          <a:xfrm>
+            <a:off x="3416061" y="5434848"/>
+            <a:ext cx="914400" cy="445835"/>
+          </a:xfrm>
+          <a:prstGeom prst="ellipse">
+            <a:avLst/>
+          </a:prstGeom>
+          <a:solidFill>
+            <a:schemeClr val="accent6">
+              <a:lumMod val="40000"/>
+              <a:lumOff val="60000"/>
+            </a:schemeClr>
+          </a:solidFill>
+          <a:ln>
+            <a:solidFill>
+              <a:schemeClr val="tx1">
+                <a:lumMod val="85000"/>
+              </a:schemeClr>
+            </a:solidFill>
+          </a:ln>
+        </p:spPr>
+        <p:style>
+          <a:lnRef idx="2">
+            <a:schemeClr val="accent1">
+              <a:shade val="50000"/>
+            </a:schemeClr>
+          </a:lnRef>
+          <a:fillRef idx="1">
+            <a:schemeClr val="accent1"/>
+          </a:fillRef>
+          <a:effectRef idx="0">
+            <a:schemeClr val="accent1"/>
+          </a:effectRef>
+          <a:fontRef idx="minor">
+            <a:schemeClr val="lt1"/>
+          </a:fontRef>
+        </p:style>
+        <p:txBody>
+          <a:bodyPr rtlCol="0" anchor="ctr"/>
+          <a:lstStyle/>
+          <a:p>
+            <a:pPr algn="ctr"/>
+            <a:r>
+              <a:rPr lang="zh-TW" altLang="en-US" sz="1200" dirty="0">
+                <a:solidFill>
+                  <a:srgbClr val="002060"/>
+                </a:solidFill>
+                <a:latin typeface="微軟正黑體" panose="020B0604030504040204" pitchFamily="34" charset="-120"/>
+                <a:ea typeface="微軟正黑體" panose="020B0604030504040204" pitchFamily="34" charset="-120"/>
+              </a:rPr>
+              <a:t>臺中市</a:t>
+            </a:r>
+          </a:p>
+        </p:txBody>
+      </p:sp>
+      <p:sp>
+        <p:nvSpPr>
+          <p:cNvPr id="12" name="橢圓 11">
+            <a:extLst>
+              <a:ext uri="{FF2B5EF4-FFF2-40B4-BE49-F238E27FC236}">
+                <a16:creationId xmlns:a16="http://schemas.microsoft.com/office/drawing/2014/main" id="{9E635647-9681-4F67-936D-B4C45B9FF33A}"/>
+              </a:ext>
+            </a:extLst>
+          </p:cNvPr>
+          <p:cNvSpPr/>
+          <p:nvPr/>
+        </p:nvSpPr>
+        <p:spPr>
+          <a:xfrm>
+            <a:off x="9966121" y="5578679"/>
+            <a:ext cx="956345" cy="394282"/>
+          </a:xfrm>
+          <a:prstGeom prst="ellipse">
+            <a:avLst/>
+          </a:prstGeom>
+          <a:solidFill>
+            <a:schemeClr val="accent6">
+              <a:lumMod val="40000"/>
+              <a:lumOff val="60000"/>
+            </a:schemeClr>
+          </a:solidFill>
+          <a:ln>
+            <a:solidFill>
+              <a:schemeClr val="tx1">
+                <a:lumMod val="85000"/>
+              </a:schemeClr>
+            </a:solidFill>
+          </a:ln>
+        </p:spPr>
+        <p:style>
+          <a:lnRef idx="2">
+            <a:schemeClr val="accent1">
+              <a:shade val="50000"/>
+            </a:schemeClr>
+          </a:lnRef>
+          <a:fillRef idx="1">
+            <a:schemeClr val="accent1"/>
+          </a:fillRef>
+          <a:effectRef idx="0">
+            <a:schemeClr val="accent1"/>
+          </a:effectRef>
+          <a:fontRef idx="minor">
+            <a:schemeClr val="lt1"/>
+          </a:fontRef>
+        </p:style>
+        <p:txBody>
+          <a:bodyPr rtlCol="0" anchor="ctr"/>
+          <a:lstStyle/>
+          <a:p>
+            <a:pPr algn="ctr"/>
+            <a:r>
+              <a:rPr lang="zh-TW" altLang="en-US" sz="900" dirty="0">
+                <a:solidFill>
+                  <a:srgbClr val="002060"/>
+                </a:solidFill>
+                <a:latin typeface="微軟正黑體" panose="020B0604030504040204" pitchFamily="34" charset="-120"/>
+                <a:ea typeface="微軟正黑體" panose="020B0604030504040204" pitchFamily="34" charset="-120"/>
+              </a:rPr>
+              <a:t>文教康樂</a:t>
+            </a:r>
+          </a:p>
+        </p:txBody>
+      </p:sp>
     </p:spTree>
     <p:extLst>
       <p:ext uri="{BB962C8B-B14F-4D97-AF65-F5344CB8AC3E}">
@@ -14850,6 +16042,130 @@
   <p:clrMapOvr>
     <a:masterClrMapping/>
   </p:clrMapOvr>
+  <p:timing>
+    <p:tnLst>
+      <p:par>
+        <p:cTn id="1" dur="indefinite" restart="never" nodeType="tmRoot">
+          <p:childTnLst>
+            <p:seq concurrent="1" nextAc="seek">
+              <p:cTn id="2" dur="indefinite" nodeType="mainSeq">
+                <p:childTnLst>
+                  <p:par>
+                    <p:cTn id="3" fill="hold">
+                      <p:stCondLst>
+                        <p:cond delay="indefinite"/>
+                      </p:stCondLst>
+                      <p:childTnLst>
+                        <p:par>
+                          <p:cTn id="4" fill="hold">
+                            <p:stCondLst>
+                              <p:cond delay="0"/>
+                            </p:stCondLst>
+                            <p:childTnLst>
+                              <p:par>
+                                <p:cTn id="5" presetID="1" presetClass="entr" presetSubtype="0" fill="hold" grpId="0" nodeType="clickEffect">
+                                  <p:stCondLst>
+                                    <p:cond delay="0"/>
+                                  </p:stCondLst>
+                                  <p:childTnLst>
+                                    <p:set>
+                                      <p:cBhvr>
+                                        <p:cTn id="6" dur="1" fill="hold">
+                                          <p:stCondLst>
+                                            <p:cond delay="0"/>
+                                          </p:stCondLst>
+                                        </p:cTn>
+                                        <p:tgtEl>
+                                          <p:spTgt spid="7"/>
+                                        </p:tgtEl>
+                                        <p:attrNameLst>
+                                          <p:attrName>style.visibility</p:attrName>
+                                        </p:attrNameLst>
+                                      </p:cBhvr>
+                                      <p:to>
+                                        <p:strVal val="visible"/>
+                                      </p:to>
+                                    </p:set>
+                                  </p:childTnLst>
+                                </p:cTn>
+                              </p:par>
+                            </p:childTnLst>
+                          </p:cTn>
+                        </p:par>
+                      </p:childTnLst>
+                    </p:cTn>
+                  </p:par>
+                  <p:par>
+                    <p:cTn id="7" fill="hold">
+                      <p:stCondLst>
+                        <p:cond delay="indefinite"/>
+                      </p:stCondLst>
+                      <p:childTnLst>
+                        <p:par>
+                          <p:cTn id="8" fill="hold">
+                            <p:stCondLst>
+                              <p:cond delay="0"/>
+                            </p:stCondLst>
+                            <p:childTnLst>
+                              <p:par>
+                                <p:cTn id="9" presetID="1" presetClass="entr" presetSubtype="0" fill="hold" grpId="0" nodeType="clickEffect">
+                                  <p:stCondLst>
+                                    <p:cond delay="0"/>
+                                  </p:stCondLst>
+                                  <p:childTnLst>
+                                    <p:set>
+                                      <p:cBhvr>
+                                        <p:cTn id="10" dur="1" fill="hold">
+                                          <p:stCondLst>
+                                            <p:cond delay="0"/>
+                                          </p:stCondLst>
+                                        </p:cTn>
+                                        <p:tgtEl>
+                                          <p:spTgt spid="12"/>
+                                        </p:tgtEl>
+                                        <p:attrNameLst>
+                                          <p:attrName>style.visibility</p:attrName>
+                                        </p:attrNameLst>
+                                      </p:cBhvr>
+                                      <p:to>
+                                        <p:strVal val="visible"/>
+                                      </p:to>
+                                    </p:set>
+                                  </p:childTnLst>
+                                </p:cTn>
+                              </p:par>
+                            </p:childTnLst>
+                          </p:cTn>
+                        </p:par>
+                      </p:childTnLst>
+                    </p:cTn>
+                  </p:par>
+                </p:childTnLst>
+              </p:cTn>
+              <p:prevCondLst>
+                <p:cond evt="onPrev" delay="0">
+                  <p:tgtEl>
+                    <p:sldTgt/>
+                  </p:tgtEl>
+                </p:cond>
+              </p:prevCondLst>
+              <p:nextCondLst>
+                <p:cond evt="onNext" delay="0">
+                  <p:tgtEl>
+                    <p:sldTgt/>
+                  </p:tgtEl>
+                </p:cond>
+              </p:nextCondLst>
+            </p:seq>
+          </p:childTnLst>
+        </p:cTn>
+      </p:par>
+    </p:tnLst>
+    <p:bldLst>
+      <p:bldP spid="7" grpId="0" animBg="1"/>
+      <p:bldP spid="12" grpId="0" animBg="1"/>
+    </p:bldLst>
+  </p:timing>
 </p:sld>
 </file>
 
@@ -15508,4 +16824,299 @@
     </a:ext>
   </a:extLst>
 </a:theme>
+</file>
+
+<file path=ppt/theme/theme2.xml><?xml version="1.0" encoding="utf-8"?>
+<a:theme xmlns:a="http://schemas.openxmlformats.org/drawingml/2006/main" name="Office 佈景主題">
+  <a:themeElements>
+    <a:clrScheme name="Office">
+      <a:dk1>
+        <a:sysClr val="windowText" lastClr="000000"/>
+      </a:dk1>
+      <a:lt1>
+        <a:sysClr val="window" lastClr="FFFFFF"/>
+      </a:lt1>
+      <a:dk2>
+        <a:srgbClr val="44546A"/>
+      </a:dk2>
+      <a:lt2>
+        <a:srgbClr val="E7E6E6"/>
+      </a:lt2>
+      <a:accent1>
+        <a:srgbClr val="4472C4"/>
+      </a:accent1>
+      <a:accent2>
+        <a:srgbClr val="ED7D31"/>
+      </a:accent2>
+      <a:accent3>
+        <a:srgbClr val="A5A5A5"/>
+      </a:accent3>
+      <a:accent4>
+        <a:srgbClr val="FFC000"/>
+      </a:accent4>
+      <a:accent5>
+        <a:srgbClr val="5B9BD5"/>
+      </a:accent5>
+      <a:accent6>
+        <a:srgbClr val="70AD47"/>
+      </a:accent6>
+      <a:hlink>
+        <a:srgbClr val="0563C1"/>
+      </a:hlink>
+      <a:folHlink>
+        <a:srgbClr val="954F72"/>
+      </a:folHlink>
+    </a:clrScheme>
+    <a:fontScheme name="Office">
+      <a:majorFont>
+        <a:latin typeface="Calibri Light" panose="020F0302020204030204"/>
+        <a:ea typeface=""/>
+        <a:cs typeface=""/>
+        <a:font script="Jpan" typeface="游ゴシック Light"/>
+        <a:font script="Hang" typeface="맑은 고딕"/>
+        <a:font script="Hans" typeface="等线 Light"/>
+        <a:font script="Hant" typeface="新細明體"/>
+        <a:font script="Arab" typeface="Times New Roman"/>
+        <a:font script="Hebr" typeface="Times New Roman"/>
+        <a:font script="Thai" typeface="Angsana New"/>
+        <a:font script="Ethi" typeface="Nyala"/>
+        <a:font script="Beng" typeface="Vrinda"/>
+        <a:font script="Gujr" typeface="Shruti"/>
+        <a:font script="Khmr" typeface="MoolBoran"/>
+        <a:font script="Knda" typeface="Tunga"/>
+        <a:font script="Guru" typeface="Raavi"/>
+        <a:font script="Cans" typeface="Euphemia"/>
+        <a:font script="Cher" typeface="Plantagenet Cherokee"/>
+        <a:font script="Yiii" typeface="Microsoft Yi Baiti"/>
+        <a:font script="Tibt" typeface="Microsoft Himalaya"/>
+        <a:font script="Thaa" typeface="MV Boli"/>
+        <a:font script="Deva" typeface="Mangal"/>
+        <a:font script="Telu" typeface="Gautami"/>
+        <a:font script="Taml" typeface="Latha"/>
+        <a:font script="Syrc" typeface="Estrangelo Edessa"/>
+        <a:font script="Orya" typeface="Kalinga"/>
+        <a:font script="Mlym" typeface="Kartika"/>
+        <a:font script="Laoo" typeface="DokChampa"/>
+        <a:font script="Sinh" typeface="Iskoola Pota"/>
+        <a:font script="Mong" typeface="Mongolian Baiti"/>
+        <a:font script="Viet" typeface="Times New Roman"/>
+        <a:font script="Uigh" typeface="Microsoft Uighur"/>
+        <a:font script="Geor" typeface="Sylfaen"/>
+        <a:font script="Armn" typeface="Arial"/>
+        <a:font script="Bugi" typeface="Leelawadee UI"/>
+        <a:font script="Bopo" typeface="Microsoft JhengHei"/>
+        <a:font script="Java" typeface="Javanese Text"/>
+        <a:font script="Lisu" typeface="Segoe UI"/>
+        <a:font script="Mymr" typeface="Myanmar Text"/>
+        <a:font script="Nkoo" typeface="Ebrima"/>
+        <a:font script="Olck" typeface="Nirmala UI"/>
+        <a:font script="Osma" typeface="Ebrima"/>
+        <a:font script="Phag" typeface="Phagspa"/>
+        <a:font script="Syrn" typeface="Estrangelo Edessa"/>
+        <a:font script="Syrj" typeface="Estrangelo Edessa"/>
+        <a:font script="Syre" typeface="Estrangelo Edessa"/>
+        <a:font script="Sora" typeface="Nirmala UI"/>
+        <a:font script="Tale" typeface="Microsoft Tai Le"/>
+        <a:font script="Talu" typeface="Microsoft New Tai Lue"/>
+        <a:font script="Tfng" typeface="Ebrima"/>
+      </a:majorFont>
+      <a:minorFont>
+        <a:latin typeface="Calibri" panose="020F0502020204030204"/>
+        <a:ea typeface=""/>
+        <a:cs typeface=""/>
+        <a:font script="Jpan" typeface="游ゴシック"/>
+        <a:font script="Hang" typeface="맑은 고딕"/>
+        <a:font script="Hans" typeface="等线"/>
+        <a:font script="Hant" typeface="新細明體"/>
+        <a:font script="Arab" typeface="Arial"/>
+        <a:font script="Hebr" typeface="Arial"/>
+        <a:font script="Thai" typeface="Cordia New"/>
+        <a:font script="Ethi" typeface="Nyala"/>
+        <a:font script="Beng" typeface="Vrinda"/>
+        <a:font script="Gujr" typeface="Shruti"/>
+        <a:font script="Khmr" typeface="DaunPenh"/>
+        <a:font script="Knda" typeface="Tunga"/>
+        <a:font script="Guru" typeface="Raavi"/>
+        <a:font script="Cans" typeface="Euphemia"/>
+        <a:font script="Cher" typeface="Plantagenet Cherokee"/>
+        <a:font script="Yiii" typeface="Microsoft Yi Baiti"/>
+        <a:font script="Tibt" typeface="Microsoft Himalaya"/>
+        <a:font script="Thaa" typeface="MV Boli"/>
+        <a:font script="Deva" typeface="Mangal"/>
+        <a:font script="Telu" typeface="Gautami"/>
+        <a:font script="Taml" typeface="Latha"/>
+        <a:font script="Syrc" typeface="Estrangelo Edessa"/>
+        <a:font script="Orya" typeface="Kalinga"/>
+        <a:font script="Mlym" typeface="Kartika"/>
+        <a:font script="Laoo" typeface="DokChampa"/>
+        <a:font script="Sinh" typeface="Iskoola Pota"/>
+        <a:font script="Mong" typeface="Mongolian Baiti"/>
+        <a:font script="Viet" typeface="Arial"/>
+        <a:font script="Uigh" typeface="Microsoft Uighur"/>
+        <a:font script="Geor" typeface="Sylfaen"/>
+        <a:font script="Armn" typeface="Arial"/>
+        <a:font script="Bugi" typeface="Leelawadee UI"/>
+        <a:font script="Bopo" typeface="Microsoft JhengHei"/>
+        <a:font script="Java" typeface="Javanese Text"/>
+        <a:font script="Lisu" typeface="Segoe UI"/>
+        <a:font script="Mymr" typeface="Myanmar Text"/>
+        <a:font script="Nkoo" typeface="Ebrima"/>
+        <a:font script="Olck" typeface="Nirmala UI"/>
+        <a:font script="Osma" typeface="Ebrima"/>
+        <a:font script="Phag" typeface="Phagspa"/>
+        <a:font script="Syrn" typeface="Estrangelo Edessa"/>
+        <a:font script="Syrj" typeface="Estrangelo Edessa"/>
+        <a:font script="Syre" typeface="Estrangelo Edessa"/>
+        <a:font script="Sora" typeface="Nirmala UI"/>
+        <a:font script="Tale" typeface="Microsoft Tai Le"/>
+        <a:font script="Talu" typeface="Microsoft New Tai Lue"/>
+        <a:font script="Tfng" typeface="Ebrima"/>
+      </a:minorFont>
+    </a:fontScheme>
+    <a:fmtScheme name="Office">
+      <a:fillStyleLst>
+        <a:solidFill>
+          <a:schemeClr val="phClr"/>
+        </a:solidFill>
+        <a:gradFill rotWithShape="1">
+          <a:gsLst>
+            <a:gs pos="0">
+              <a:schemeClr val="phClr">
+                <a:lumMod val="110000"/>
+                <a:satMod val="105000"/>
+                <a:tint val="67000"/>
+              </a:schemeClr>
+            </a:gs>
+            <a:gs pos="50000">
+              <a:schemeClr val="phClr">
+                <a:lumMod val="105000"/>
+                <a:satMod val="103000"/>
+                <a:tint val="73000"/>
+              </a:schemeClr>
+            </a:gs>
+            <a:gs pos="100000">
+              <a:schemeClr val="phClr">
+                <a:lumMod val="105000"/>
+                <a:satMod val="109000"/>
+                <a:tint val="81000"/>
+              </a:schemeClr>
+            </a:gs>
+          </a:gsLst>
+          <a:lin ang="5400000" scaled="0"/>
+        </a:gradFill>
+        <a:gradFill rotWithShape="1">
+          <a:gsLst>
+            <a:gs pos="0">
+              <a:schemeClr val="phClr">
+                <a:satMod val="103000"/>
+                <a:lumMod val="102000"/>
+                <a:tint val="94000"/>
+              </a:schemeClr>
+            </a:gs>
+            <a:gs pos="50000">
+              <a:schemeClr val="phClr">
+                <a:satMod val="110000"/>
+                <a:lumMod val="100000"/>
+                <a:shade val="100000"/>
+              </a:schemeClr>
+            </a:gs>
+            <a:gs pos="100000">
+              <a:schemeClr val="phClr">
+                <a:lumMod val="99000"/>
+                <a:satMod val="120000"/>
+                <a:shade val="78000"/>
+              </a:schemeClr>
+            </a:gs>
+          </a:gsLst>
+          <a:lin ang="5400000" scaled="0"/>
+        </a:gradFill>
+      </a:fillStyleLst>
+      <a:lnStyleLst>
+        <a:ln w="6350" cap="flat" cmpd="sng" algn="ctr">
+          <a:solidFill>
+            <a:schemeClr val="phClr"/>
+          </a:solidFill>
+          <a:prstDash val="solid"/>
+          <a:miter lim="800000"/>
+        </a:ln>
+        <a:ln w="12700" cap="flat" cmpd="sng" algn="ctr">
+          <a:solidFill>
+            <a:schemeClr val="phClr"/>
+          </a:solidFill>
+          <a:prstDash val="solid"/>
+          <a:miter lim="800000"/>
+        </a:ln>
+        <a:ln w="19050" cap="flat" cmpd="sng" algn="ctr">
+          <a:solidFill>
+            <a:schemeClr val="phClr"/>
+          </a:solidFill>
+          <a:prstDash val="solid"/>
+          <a:miter lim="800000"/>
+        </a:ln>
+      </a:lnStyleLst>
+      <a:effectStyleLst>
+        <a:effectStyle>
+          <a:effectLst/>
+        </a:effectStyle>
+        <a:effectStyle>
+          <a:effectLst/>
+        </a:effectStyle>
+        <a:effectStyle>
+          <a:effectLst>
+            <a:outerShdw blurRad="57150" dist="19050" dir="5400000" algn="ctr" rotWithShape="0">
+              <a:srgbClr val="000000">
+                <a:alpha val="63000"/>
+              </a:srgbClr>
+            </a:outerShdw>
+          </a:effectLst>
+        </a:effectStyle>
+      </a:effectStyleLst>
+      <a:bgFillStyleLst>
+        <a:solidFill>
+          <a:schemeClr val="phClr"/>
+        </a:solidFill>
+        <a:solidFill>
+          <a:schemeClr val="phClr">
+            <a:tint val="95000"/>
+            <a:satMod val="170000"/>
+          </a:schemeClr>
+        </a:solidFill>
+        <a:gradFill rotWithShape="1">
+          <a:gsLst>
+            <a:gs pos="0">
+              <a:schemeClr val="phClr">
+                <a:tint val="93000"/>
+                <a:satMod val="150000"/>
+                <a:shade val="98000"/>
+                <a:lumMod val="102000"/>
+              </a:schemeClr>
+            </a:gs>
+            <a:gs pos="50000">
+              <a:schemeClr val="phClr">
+                <a:tint val="98000"/>
+                <a:satMod val="130000"/>
+                <a:shade val="90000"/>
+                <a:lumMod val="103000"/>
+              </a:schemeClr>
+            </a:gs>
+            <a:gs pos="100000">
+              <a:schemeClr val="phClr">
+                <a:shade val="63000"/>
+                <a:satMod val="120000"/>
+              </a:schemeClr>
+            </a:gs>
+          </a:gsLst>
+          <a:lin ang="5400000" scaled="0"/>
+        </a:gradFill>
+      </a:bgFillStyleLst>
+    </a:fmtScheme>
+  </a:themeElements>
+  <a:objectDefaults/>
+  <a:extraClrSchemeLst/>
+  <a:extLst>
+    <a:ext uri="{05A4C25C-085E-4340-85A3-A5531E510DB2}">
+      <thm15:themeFamily xmlns:thm15="http://schemas.microsoft.com/office/thememl/2012/main" name="Office Theme" id="{62F939B6-93AF-4DB8-9C6B-D6C7DFDC589F}" vid="{4A3C46E8-61CC-4603-A589-7422A47A8E4A}"/>
+    </a:ext>
+  </a:extLst>
+</a:theme>
 </file>